--- a/Slides/Unit 3/CS8392-U2-Exceptions.pptx
+++ b/Slides/Unit 3/CS8392-U2-Exceptions.pptx
@@ -1102,6 +1102,13 @@
         </dgm:presLayoutVars>
       </dgm:prSet>
       <dgm:spPr/>
+      <dgm:t>
+        <a:bodyPr/>
+        <a:lstStyle/>
+        <a:p>
+          <a:endParaRPr lang="en-US"/>
+        </a:p>
+      </dgm:t>
     </dgm:pt>
     <dgm:pt modelId="{46732DBD-9621-4E92-B62C-FA6A7AA7F493}" type="pres">
       <dgm:prSet presAssocID="{956B17DC-2C95-4E06-B810-DD5CA493BF78}" presName="hierRoot1" presStyleCnt="0">
@@ -1133,6 +1140,13 @@
     <dgm:pt modelId="{A2B6118C-07AD-4C8B-BE56-16F635147B25}" type="pres">
       <dgm:prSet presAssocID="{956B17DC-2C95-4E06-B810-DD5CA493BF78}" presName="rootConnector1" presStyleLbl="node1" presStyleIdx="0" presStyleCnt="0"/>
       <dgm:spPr/>
+      <dgm:t>
+        <a:bodyPr/>
+        <a:lstStyle/>
+        <a:p>
+          <a:endParaRPr lang="en-US"/>
+        </a:p>
+      </dgm:t>
     </dgm:pt>
     <dgm:pt modelId="{ABF5E9A1-3B39-4EB0-8EA8-2BD6B7C2BDE3}" type="pres">
       <dgm:prSet presAssocID="{956B17DC-2C95-4E06-B810-DD5CA493BF78}" presName="hierChild2" presStyleCnt="0"/>
@@ -1141,6 +1155,13 @@
     <dgm:pt modelId="{7E2B22AD-24DF-4937-90CE-CD6422006E09}" type="pres">
       <dgm:prSet presAssocID="{9CE0A438-97F8-4647-A9FB-2B08D752922B}" presName="Name37" presStyleLbl="parChTrans1D2" presStyleIdx="0" presStyleCnt="3"/>
       <dgm:spPr/>
+      <dgm:t>
+        <a:bodyPr/>
+        <a:lstStyle/>
+        <a:p>
+          <a:endParaRPr lang="en-US"/>
+        </a:p>
+      </dgm:t>
     </dgm:pt>
     <dgm:pt modelId="{AF7D7150-B7B4-49FC-87E8-548936E5EA78}" type="pres">
       <dgm:prSet presAssocID="{840BDAEE-643D-4C84-95D7-E30F2FCC0D15}" presName="hierRoot2" presStyleCnt="0">
@@ -1161,10 +1182,24 @@
         </dgm:presLayoutVars>
       </dgm:prSet>
       <dgm:spPr/>
+      <dgm:t>
+        <a:bodyPr/>
+        <a:lstStyle/>
+        <a:p>
+          <a:endParaRPr lang="en-US"/>
+        </a:p>
+      </dgm:t>
     </dgm:pt>
     <dgm:pt modelId="{65CD50E4-D472-4534-A395-294B715CE1C2}" type="pres">
       <dgm:prSet presAssocID="{840BDAEE-643D-4C84-95D7-E30F2FCC0D15}" presName="rootConnector" presStyleLbl="node2" presStyleIdx="0" presStyleCnt="3"/>
       <dgm:spPr/>
+      <dgm:t>
+        <a:bodyPr/>
+        <a:lstStyle/>
+        <a:p>
+          <a:endParaRPr lang="en-US"/>
+        </a:p>
+      </dgm:t>
     </dgm:pt>
     <dgm:pt modelId="{3AEF4B05-03EA-4414-AF7C-29CB650FA5E4}" type="pres">
       <dgm:prSet presAssocID="{840BDAEE-643D-4C84-95D7-E30F2FCC0D15}" presName="hierChild4" presStyleCnt="0"/>
@@ -1177,6 +1212,13 @@
     <dgm:pt modelId="{383B315B-93D8-4BB6-9292-A7467A6BD999}" type="pres">
       <dgm:prSet presAssocID="{19D50460-99F2-467F-A347-D15F32450242}" presName="Name37" presStyleLbl="parChTrans1D2" presStyleIdx="1" presStyleCnt="3"/>
       <dgm:spPr/>
+      <dgm:t>
+        <a:bodyPr/>
+        <a:lstStyle/>
+        <a:p>
+          <a:endParaRPr lang="en-US"/>
+        </a:p>
+      </dgm:t>
     </dgm:pt>
     <dgm:pt modelId="{CE1D0F76-299B-4174-ABB6-D910D4C6934E}" type="pres">
       <dgm:prSet presAssocID="{634777A9-231D-4A0F-BCDC-446289EF55D9}" presName="hierRoot2" presStyleCnt="0">
@@ -1208,6 +1250,13 @@
     <dgm:pt modelId="{D786FC2E-BBD2-4002-8CEE-741757BBB792}" type="pres">
       <dgm:prSet presAssocID="{634777A9-231D-4A0F-BCDC-446289EF55D9}" presName="rootConnector" presStyleLbl="node2" presStyleIdx="1" presStyleCnt="3"/>
       <dgm:spPr/>
+      <dgm:t>
+        <a:bodyPr/>
+        <a:lstStyle/>
+        <a:p>
+          <a:endParaRPr lang="en-US"/>
+        </a:p>
+      </dgm:t>
     </dgm:pt>
     <dgm:pt modelId="{EDA2CC02-A6A7-484B-8811-BC44CFCB5EF7}" type="pres">
       <dgm:prSet presAssocID="{634777A9-231D-4A0F-BCDC-446289EF55D9}" presName="hierChild4" presStyleCnt="0"/>
@@ -1220,6 +1269,13 @@
     <dgm:pt modelId="{DC8611F6-4111-458D-B713-2FED7DADD0AE}" type="pres">
       <dgm:prSet presAssocID="{215B287E-F3ED-4906-B38C-A0C0FD6BE9AA}" presName="Name37" presStyleLbl="parChTrans1D2" presStyleIdx="2" presStyleCnt="3"/>
       <dgm:spPr/>
+      <dgm:t>
+        <a:bodyPr/>
+        <a:lstStyle/>
+        <a:p>
+          <a:endParaRPr lang="en-US"/>
+        </a:p>
+      </dgm:t>
     </dgm:pt>
     <dgm:pt modelId="{1A6E15A4-7172-43E2-8931-2021B3ECB0C1}" type="pres">
       <dgm:prSet presAssocID="{BDFF3A12-59D2-498D-B1AA-0F1C76CBC8B1}" presName="hierRoot2" presStyleCnt="0">
@@ -1240,10 +1296,24 @@
         </dgm:presLayoutVars>
       </dgm:prSet>
       <dgm:spPr/>
+      <dgm:t>
+        <a:bodyPr/>
+        <a:lstStyle/>
+        <a:p>
+          <a:endParaRPr lang="en-US"/>
+        </a:p>
+      </dgm:t>
     </dgm:pt>
     <dgm:pt modelId="{D95D0962-AF33-49E1-BA2C-421FA549B41E}" type="pres">
       <dgm:prSet presAssocID="{BDFF3A12-59D2-498D-B1AA-0F1C76CBC8B1}" presName="rootConnector" presStyleLbl="node2" presStyleIdx="2" presStyleCnt="3"/>
       <dgm:spPr/>
+      <dgm:t>
+        <a:bodyPr/>
+        <a:lstStyle/>
+        <a:p>
+          <a:endParaRPr lang="en-US"/>
+        </a:p>
+      </dgm:t>
     </dgm:pt>
     <dgm:pt modelId="{678FB7EB-95CF-44A7-9856-E24AE555EBFB}" type="pres">
       <dgm:prSet presAssocID="{BDFF3A12-59D2-498D-B1AA-0F1C76CBC8B1}" presName="hierChild4" presStyleCnt="0"/>
@@ -1259,22 +1329,22 @@
     </dgm:pt>
   </dgm:ptLst>
   <dgm:cxnLst>
-    <dgm:cxn modelId="{6C60D999-AF6E-44DE-9195-33EC1193A8F6}" srcId="{956B17DC-2C95-4E06-B810-DD5CA493BF78}" destId="{840BDAEE-643D-4C84-95D7-E30F2FCC0D15}" srcOrd="0" destOrd="0" parTransId="{9CE0A438-97F8-4647-A9FB-2B08D752922B}" sibTransId="{4EC20BBE-C253-4949-9240-C4041901BBB2}"/>
-    <dgm:cxn modelId="{F444AC3C-6881-4535-A7D6-EE26C281805A}" type="presOf" srcId="{956B17DC-2C95-4E06-B810-DD5CA493BF78}" destId="{0EA68955-0B03-4132-B79C-83BF97C1751B}" srcOrd="0" destOrd="0" presId="urn:microsoft.com/office/officeart/2005/8/layout/orgChart1"/>
+    <dgm:cxn modelId="{FFB359FE-4EE8-41BF-AB39-6FE16DC4D6EA}" srcId="{956B17DC-2C95-4E06-B810-DD5CA493BF78}" destId="{634777A9-231D-4A0F-BCDC-446289EF55D9}" srcOrd="1" destOrd="0" parTransId="{19D50460-99F2-467F-A347-D15F32450242}" sibTransId="{3DBDDEBB-E8E9-4C5E-AF46-6C67E42517CD}"/>
+    <dgm:cxn modelId="{C16D03FD-528E-4945-B78C-5347C5C95A39}" type="presOf" srcId="{BDFF3A12-59D2-498D-B1AA-0F1C76CBC8B1}" destId="{8752747F-92AA-4122-9397-A957BFCCD991}" srcOrd="0" destOrd="0" presId="urn:microsoft.com/office/officeart/2005/8/layout/orgChart1"/>
     <dgm:cxn modelId="{E741A67D-C00B-4E3C-9796-4C4C33ABDC96}" type="presOf" srcId="{840BDAEE-643D-4C84-95D7-E30F2FCC0D15}" destId="{363274B1-C6CF-4D7C-9CAE-BDAE04C1D4B2}" srcOrd="0" destOrd="0" presId="urn:microsoft.com/office/officeart/2005/8/layout/orgChart1"/>
     <dgm:cxn modelId="{771B1292-609E-4D99-AFCF-49505045A46F}" type="presOf" srcId="{BDFF3A12-59D2-498D-B1AA-0F1C76CBC8B1}" destId="{D95D0962-AF33-49E1-BA2C-421FA549B41E}" srcOrd="1" destOrd="0" presId="urn:microsoft.com/office/officeart/2005/8/layout/orgChart1"/>
+    <dgm:cxn modelId="{885931B0-28EA-41AF-90B0-238DB613E08C}" srcId="{03F285E3-3744-4A7E-93F2-26617D693A08}" destId="{956B17DC-2C95-4E06-B810-DD5CA493BF78}" srcOrd="0" destOrd="0" parTransId="{7E8B7CE7-8AF2-4DC5-8301-8DA5611DBB38}" sibTransId="{25FF72EE-27B8-4321-ABBF-82DE8946766F}"/>
+    <dgm:cxn modelId="{32D01351-E7C2-4875-B081-CED1930E57A5}" type="presOf" srcId="{634777A9-231D-4A0F-BCDC-446289EF55D9}" destId="{438F5A25-E0BE-4DE2-A543-75B7263FCF76}" srcOrd="0" destOrd="0" presId="urn:microsoft.com/office/officeart/2005/8/layout/orgChart1"/>
+    <dgm:cxn modelId="{E1B4D5E8-2AC7-41E2-AFAD-3DFDC9793DE0}" type="presOf" srcId="{9CE0A438-97F8-4647-A9FB-2B08D752922B}" destId="{7E2B22AD-24DF-4937-90CE-CD6422006E09}" srcOrd="0" destOrd="0" presId="urn:microsoft.com/office/officeart/2005/8/layout/orgChart1"/>
+    <dgm:cxn modelId="{F444AC3C-6881-4535-A7D6-EE26C281805A}" type="presOf" srcId="{956B17DC-2C95-4E06-B810-DD5CA493BF78}" destId="{0EA68955-0B03-4132-B79C-83BF97C1751B}" srcOrd="0" destOrd="0" presId="urn:microsoft.com/office/officeart/2005/8/layout/orgChart1"/>
+    <dgm:cxn modelId="{6373444E-5DE9-4077-803F-707CDC598306}" type="presOf" srcId="{215B287E-F3ED-4906-B38C-A0C0FD6BE9AA}" destId="{DC8611F6-4111-458D-B713-2FED7DADD0AE}" srcOrd="0" destOrd="0" presId="urn:microsoft.com/office/officeart/2005/8/layout/orgChart1"/>
     <dgm:cxn modelId="{553C8BAC-2117-4E42-9240-79E0CF06182D}" type="presOf" srcId="{19D50460-99F2-467F-A347-D15F32450242}" destId="{383B315B-93D8-4BB6-9292-A7467A6BD999}" srcOrd="0" destOrd="0" presId="urn:microsoft.com/office/officeart/2005/8/layout/orgChart1"/>
+    <dgm:cxn modelId="{065EBF3D-C573-4E37-919C-C25556BE9F89}" type="presOf" srcId="{03F285E3-3744-4A7E-93F2-26617D693A08}" destId="{AAB3E443-3734-4B68-8876-9560E80A50D7}" srcOrd="0" destOrd="0" presId="urn:microsoft.com/office/officeart/2005/8/layout/orgChart1"/>
+    <dgm:cxn modelId="{8CEBCC58-3D1D-475F-A18E-208640DE9D20}" type="presOf" srcId="{956B17DC-2C95-4E06-B810-DD5CA493BF78}" destId="{A2B6118C-07AD-4C8B-BE56-16F635147B25}" srcOrd="1" destOrd="0" presId="urn:microsoft.com/office/officeart/2005/8/layout/orgChart1"/>
     <dgm:cxn modelId="{D44043E7-53C3-4242-8A02-EEE0838F4832}" type="presOf" srcId="{634777A9-231D-4A0F-BCDC-446289EF55D9}" destId="{D786FC2E-BBD2-4002-8CEE-741757BBB792}" srcOrd="1" destOrd="0" presId="urn:microsoft.com/office/officeart/2005/8/layout/orgChart1"/>
-    <dgm:cxn modelId="{FFB359FE-4EE8-41BF-AB39-6FE16DC4D6EA}" srcId="{956B17DC-2C95-4E06-B810-DD5CA493BF78}" destId="{634777A9-231D-4A0F-BCDC-446289EF55D9}" srcOrd="1" destOrd="0" parTransId="{19D50460-99F2-467F-A347-D15F32450242}" sibTransId="{3DBDDEBB-E8E9-4C5E-AF46-6C67E42517CD}"/>
     <dgm:cxn modelId="{2F6B5000-2DA7-4232-A445-A47C38807AE1}" srcId="{956B17DC-2C95-4E06-B810-DD5CA493BF78}" destId="{BDFF3A12-59D2-498D-B1AA-0F1C76CBC8B1}" srcOrd="2" destOrd="0" parTransId="{215B287E-F3ED-4906-B38C-A0C0FD6BE9AA}" sibTransId="{659EE948-E726-4E2D-AE31-1876C061A18E}"/>
-    <dgm:cxn modelId="{065EBF3D-C573-4E37-919C-C25556BE9F89}" type="presOf" srcId="{03F285E3-3744-4A7E-93F2-26617D693A08}" destId="{AAB3E443-3734-4B68-8876-9560E80A50D7}" srcOrd="0" destOrd="0" presId="urn:microsoft.com/office/officeart/2005/8/layout/orgChart1"/>
-    <dgm:cxn modelId="{32D01351-E7C2-4875-B081-CED1930E57A5}" type="presOf" srcId="{634777A9-231D-4A0F-BCDC-446289EF55D9}" destId="{438F5A25-E0BE-4DE2-A543-75B7263FCF76}" srcOrd="0" destOrd="0" presId="urn:microsoft.com/office/officeart/2005/8/layout/orgChart1"/>
-    <dgm:cxn modelId="{885931B0-28EA-41AF-90B0-238DB613E08C}" srcId="{03F285E3-3744-4A7E-93F2-26617D693A08}" destId="{956B17DC-2C95-4E06-B810-DD5CA493BF78}" srcOrd="0" destOrd="0" parTransId="{7E8B7CE7-8AF2-4DC5-8301-8DA5611DBB38}" sibTransId="{25FF72EE-27B8-4321-ABBF-82DE8946766F}"/>
-    <dgm:cxn modelId="{6373444E-5DE9-4077-803F-707CDC598306}" type="presOf" srcId="{215B287E-F3ED-4906-B38C-A0C0FD6BE9AA}" destId="{DC8611F6-4111-458D-B713-2FED7DADD0AE}" srcOrd="0" destOrd="0" presId="urn:microsoft.com/office/officeart/2005/8/layout/orgChart1"/>
-    <dgm:cxn modelId="{C16D03FD-528E-4945-B78C-5347C5C95A39}" type="presOf" srcId="{BDFF3A12-59D2-498D-B1AA-0F1C76CBC8B1}" destId="{8752747F-92AA-4122-9397-A957BFCCD991}" srcOrd="0" destOrd="0" presId="urn:microsoft.com/office/officeart/2005/8/layout/orgChart1"/>
-    <dgm:cxn modelId="{8CEBCC58-3D1D-475F-A18E-208640DE9D20}" type="presOf" srcId="{956B17DC-2C95-4E06-B810-DD5CA493BF78}" destId="{A2B6118C-07AD-4C8B-BE56-16F635147B25}" srcOrd="1" destOrd="0" presId="urn:microsoft.com/office/officeart/2005/8/layout/orgChart1"/>
-    <dgm:cxn modelId="{E1B4D5E8-2AC7-41E2-AFAD-3DFDC9793DE0}" type="presOf" srcId="{9CE0A438-97F8-4647-A9FB-2B08D752922B}" destId="{7E2B22AD-24DF-4937-90CE-CD6422006E09}" srcOrd="0" destOrd="0" presId="urn:microsoft.com/office/officeart/2005/8/layout/orgChart1"/>
     <dgm:cxn modelId="{E577D6A6-B97F-48E3-8C77-C7D0D3A3D6F0}" type="presOf" srcId="{840BDAEE-643D-4C84-95D7-E30F2FCC0D15}" destId="{65CD50E4-D472-4534-A395-294B715CE1C2}" srcOrd="1" destOrd="0" presId="urn:microsoft.com/office/officeart/2005/8/layout/orgChart1"/>
+    <dgm:cxn modelId="{6C60D999-AF6E-44DE-9195-33EC1193A8F6}" srcId="{956B17DC-2C95-4E06-B810-DD5CA493BF78}" destId="{840BDAEE-643D-4C84-95D7-E30F2FCC0D15}" srcOrd="0" destOrd="0" parTransId="{9CE0A438-97F8-4647-A9FB-2B08D752922B}" sibTransId="{4EC20BBE-C253-4949-9240-C4041901BBB2}"/>
     <dgm:cxn modelId="{4221B5FE-BB28-4874-BA33-32EE04A0B0E4}" type="presParOf" srcId="{AAB3E443-3734-4B68-8876-9560E80A50D7}" destId="{46732DBD-9621-4E92-B62C-FA6A7AA7F493}" srcOrd="0" destOrd="0" presId="urn:microsoft.com/office/officeart/2005/8/layout/orgChart1"/>
     <dgm:cxn modelId="{02B91BA7-0C56-42F8-A3F7-FDA72F431FF4}" type="presParOf" srcId="{46732DBD-9621-4E92-B62C-FA6A7AA7F493}" destId="{C01FF65E-2850-4A57-809D-79F719D63148}" srcOrd="0" destOrd="0" presId="urn:microsoft.com/office/officeart/2005/8/layout/orgChart1"/>
     <dgm:cxn modelId="{F9CE5945-DA6F-41CE-B3A9-D034A3204182}" type="presParOf" srcId="{C01FF65E-2850-4A57-809D-79F719D63148}" destId="{0EA68955-0B03-4132-B79C-83BF97C1751B}" srcOrd="0" destOrd="0" presId="urn:microsoft.com/office/officeart/2005/8/layout/orgChart1"/>
@@ -3571,7 +3641,7 @@
             <a:fld id="{9515075B-F3F0-4441-A1BD-B7B515B708FF}" type="datetimeFigureOut">
               <a:rPr lang="en-US" smtClean="0"/>
               <a:pPr/>
-              <a:t>8/13/2018</a:t>
+              <a:t>8/16/2018</a:t>
             </a:fld>
             <a:endParaRPr lang="en-US"/>
           </a:p>
@@ -4272,7 +4342,7 @@
             <a:fld id="{6E658DF8-B8C0-4C7F-85EB-B53A2DDD44A9}" type="datetimeFigureOut">
               <a:rPr lang="en-US" smtClean="0"/>
               <a:pPr/>
-              <a:t>8/13/2018</a:t>
+              <a:t>8/16/2018</a:t>
             </a:fld>
             <a:endParaRPr lang="en-US"/>
           </a:p>
@@ -4439,7 +4509,7 @@
             <a:fld id="{6E658DF8-B8C0-4C7F-85EB-B53A2DDD44A9}" type="datetimeFigureOut">
               <a:rPr lang="en-US" smtClean="0"/>
               <a:pPr/>
-              <a:t>8/13/2018</a:t>
+              <a:t>8/16/2018</a:t>
             </a:fld>
             <a:endParaRPr lang="en-US"/>
           </a:p>
@@ -4616,7 +4686,7 @@
             <a:fld id="{6E658DF8-B8C0-4C7F-85EB-B53A2DDD44A9}" type="datetimeFigureOut">
               <a:rPr lang="en-US" smtClean="0"/>
               <a:pPr/>
-              <a:t>8/13/2018</a:t>
+              <a:t>8/16/2018</a:t>
             </a:fld>
             <a:endParaRPr lang="en-US"/>
           </a:p>
@@ -4815,7 +4885,7 @@
             <a:fld id="{6E658DF8-B8C0-4C7F-85EB-B53A2DDD44A9}" type="datetimeFigureOut">
               <a:rPr lang="en-US" smtClean="0"/>
               <a:pPr/>
-              <a:t>8/13/2018</a:t>
+              <a:t>8/16/2018</a:t>
             </a:fld>
             <a:endParaRPr lang="en-US"/>
           </a:p>
@@ -5058,7 +5128,7 @@
             <a:fld id="{6E658DF8-B8C0-4C7F-85EB-B53A2DDD44A9}" type="datetimeFigureOut">
               <a:rPr lang="en-US" smtClean="0"/>
               <a:pPr/>
-              <a:t>8/13/2018</a:t>
+              <a:t>8/16/2018</a:t>
             </a:fld>
             <a:endParaRPr lang="en-US"/>
           </a:p>
@@ -5343,7 +5413,7 @@
             <a:fld id="{6E658DF8-B8C0-4C7F-85EB-B53A2DDD44A9}" type="datetimeFigureOut">
               <a:rPr lang="en-US" smtClean="0"/>
               <a:pPr/>
-              <a:t>8/13/2018</a:t>
+              <a:t>8/16/2018</a:t>
             </a:fld>
             <a:endParaRPr lang="en-US"/>
           </a:p>
@@ -5762,7 +5832,7 @@
             <a:fld id="{6E658DF8-B8C0-4C7F-85EB-B53A2DDD44A9}" type="datetimeFigureOut">
               <a:rPr lang="en-US" smtClean="0"/>
               <a:pPr/>
-              <a:t>8/13/2018</a:t>
+              <a:t>8/16/2018</a:t>
             </a:fld>
             <a:endParaRPr lang="en-US"/>
           </a:p>
@@ -5877,7 +5947,7 @@
             <a:fld id="{6E658DF8-B8C0-4C7F-85EB-B53A2DDD44A9}" type="datetimeFigureOut">
               <a:rPr lang="en-US" smtClean="0"/>
               <a:pPr/>
-              <a:t>8/13/2018</a:t>
+              <a:t>8/16/2018</a:t>
             </a:fld>
             <a:endParaRPr lang="en-US"/>
           </a:p>
@@ -5969,7 +6039,7 @@
             <a:fld id="{6E658DF8-B8C0-4C7F-85EB-B53A2DDD44A9}" type="datetimeFigureOut">
               <a:rPr lang="en-US" smtClean="0"/>
               <a:pPr/>
-              <a:t>8/13/2018</a:t>
+              <a:t>8/16/2018</a:t>
             </a:fld>
             <a:endParaRPr lang="en-US"/>
           </a:p>
@@ -6243,7 +6313,7 @@
             <a:fld id="{6E658DF8-B8C0-4C7F-85EB-B53A2DDD44A9}" type="datetimeFigureOut">
               <a:rPr lang="en-US" smtClean="0"/>
               <a:pPr/>
-              <a:t>8/13/2018</a:t>
+              <a:t>8/16/2018</a:t>
             </a:fld>
             <a:endParaRPr lang="en-US"/>
           </a:p>
@@ -6493,7 +6563,7 @@
             <a:fld id="{6E658DF8-B8C0-4C7F-85EB-B53A2DDD44A9}" type="datetimeFigureOut">
               <a:rPr lang="en-US" smtClean="0"/>
               <a:pPr/>
-              <a:t>8/13/2018</a:t>
+              <a:t>8/16/2018</a:t>
             </a:fld>
             <a:endParaRPr lang="en-US"/>
           </a:p>
@@ -6709,7 +6779,7 @@
             <a:fld id="{6E658DF8-B8C0-4C7F-85EB-B53A2DDD44A9}" type="datetimeFigureOut">
               <a:rPr lang="en-US" smtClean="0"/>
               <a:pPr/>
-              <a:t>8/13/2018</a:t>
+              <a:t>8/16/2018</a:t>
             </a:fld>
             <a:endParaRPr lang="en-US"/>
           </a:p>
@@ -7377,6 +7447,13 @@
   <p:clrMapOvr>
     <a:masterClrMapping/>
   </p:clrMapOvr>
+  <p:timing>
+    <p:tnLst>
+      <p:par>
+        <p:cTn id="1" dur="indefinite" restart="never" nodeType="tmRoot"/>
+      </p:par>
+    </p:tnLst>
+  </p:timing>
 </p:sld>
 </file>
 
@@ -7487,7 +7564,6 @@
               <a:rPr lang="en-IN" sz="2500" dirty="0" smtClean="0"/>
               <a:t> new Exception()</a:t>
             </a:r>
-            <a:endParaRPr lang="en-IN" sz="2500" dirty="0" smtClean="0"/>
           </a:p>
           <a:p>
             <a:pPr>
@@ -7747,9 +7823,6 @@
               </a:rPr>
               <a:t>(exception type 1){</a:t>
             </a:r>
-            <a:endParaRPr lang="en-IN" sz="2500" dirty="0" smtClean="0">
-              <a:latin typeface="Cambria" pitchFamily="18" charset="0"/>
-            </a:endParaRPr>
           </a:p>
           <a:p>
             <a:pPr marL="342900" lvl="0" indent="-342900">
@@ -7837,13 +7910,7 @@
               <a:rPr lang="en-IN" sz="2500" dirty="0" smtClean="0">
                 <a:latin typeface="Cambria" pitchFamily="18" charset="0"/>
               </a:rPr>
-              <a:t>exception type </a:t>
-            </a:r>
-            <a:r>
-              <a:rPr lang="en-IN" sz="2500" dirty="0" smtClean="0">
-                <a:latin typeface="Cambria" pitchFamily="18" charset="0"/>
-              </a:rPr>
-              <a:t>2</a:t>
+              <a:t>exception type 2</a:t>
             </a:r>
             <a:r>
               <a:rPr kumimoji="0" lang="en-IN" sz="2500" b="0" i="0" u="none" strike="noStrike" kern="1200" cap="none" spc="0" normalizeH="0" baseline="0" noProof="0" dirty="0" smtClean="0">
@@ -8122,6 +8189,13 @@
   <p:clrMapOvr>
     <a:masterClrMapping/>
   </p:clrMapOvr>
+  <p:timing>
+    <p:tnLst>
+      <p:par>
+        <p:cTn id="1" dur="indefinite" restart="never" nodeType="tmRoot"/>
+      </p:par>
+    </p:tnLst>
+  </p:timing>
 </p:sld>
 </file>
 
@@ -8304,16 +8378,7 @@
                 </a:solidFill>
                 <a:latin typeface="Cambria" pitchFamily="18" charset="0"/>
               </a:rPr>
-              <a:t>	</a:t>
-            </a:r>
-            <a:r>
-              <a:rPr lang="en-IN" sz="2500" dirty="0" smtClean="0">
-                <a:solidFill>
-                  <a:srgbClr val="FF0000"/>
-                </a:solidFill>
-                <a:latin typeface="Cambria" pitchFamily="18" charset="0"/>
-              </a:rPr>
-              <a:t>try</a:t>
+              <a:t>	try</a:t>
             </a:r>
             <a:r>
               <a:rPr lang="en-IN" sz="2500" dirty="0" smtClean="0">
@@ -8349,25 +8414,7 @@
               <a:rPr lang="en-IN" sz="2500" dirty="0" smtClean="0">
                 <a:latin typeface="Cambria" pitchFamily="18" charset="0"/>
               </a:rPr>
-              <a:t> </a:t>
-            </a:r>
-            <a:r>
-              <a:rPr lang="en-IN" sz="2500" dirty="0" smtClean="0">
-                <a:latin typeface="Cambria" pitchFamily="18" charset="0"/>
-              </a:rPr>
-              <a:t>	//</a:t>
-            </a:r>
-            <a:r>
-              <a:rPr lang="en-IN" sz="2500" dirty="0" smtClean="0">
-                <a:latin typeface="Cambria" pitchFamily="18" charset="0"/>
-              </a:rPr>
-              <a:t>critical </a:t>
-            </a:r>
-            <a:r>
-              <a:rPr lang="en-IN" sz="2500" dirty="0" smtClean="0">
-                <a:latin typeface="Cambria" pitchFamily="18" charset="0"/>
-              </a:rPr>
-              <a:t>section</a:t>
+              <a:t> 	//critical section</a:t>
             </a:r>
           </a:p>
           <a:p>
@@ -8391,24 +8438,7 @@
                 <a:ea typeface="+mn-ea"/>
                 <a:cs typeface="+mn-cs"/>
               </a:rPr>
-              <a:t>	</a:t>
-            </a:r>
-            <a:r>
-              <a:rPr kumimoji="0" lang="en-IN" sz="2500" b="0" i="0" u="none" strike="noStrike" kern="1200" cap="none" spc="0" normalizeH="0" baseline="0" noProof="0" dirty="0" smtClean="0">
-                <a:ln>
-                  <a:noFill/>
-                </a:ln>
-                <a:solidFill>
-                  <a:schemeClr val="tx1"/>
-                </a:solidFill>
-                <a:effectLst/>
-                <a:uLnTx/>
-                <a:uFillTx/>
-                <a:latin typeface="Cambria" pitchFamily="18" charset="0"/>
-                <a:ea typeface="+mn-ea"/>
-                <a:cs typeface="+mn-cs"/>
-              </a:rPr>
-              <a:t>	</a:t>
+              <a:t>		</a:t>
             </a:r>
             <a:r>
               <a:rPr kumimoji="0" lang="en-IN" sz="2500" b="0" i="0" u="none" strike="noStrike" kern="1200" cap="none" spc="0" normalizeH="0" baseline="0" noProof="0" dirty="0" smtClean="0">
@@ -8481,13 +8511,7 @@
               <a:rPr lang="en-IN" sz="2500" dirty="0" smtClean="0">
                 <a:latin typeface="Cambria" pitchFamily="18" charset="0"/>
               </a:rPr>
-              <a:t>	</a:t>
-            </a:r>
-            <a:r>
-              <a:rPr lang="en-IN" sz="2500" dirty="0" smtClean="0">
-                <a:latin typeface="Cambria" pitchFamily="18" charset="0"/>
-              </a:rPr>
-              <a:t>}</a:t>
+              <a:t>	}</a:t>
             </a:r>
           </a:p>
           <a:p>
@@ -8541,13 +8565,7 @@
               <a:rPr lang="en-IN" sz="2500" dirty="0" smtClean="0">
                 <a:latin typeface="Cambria" pitchFamily="18" charset="0"/>
               </a:rPr>
-              <a:t>		//</a:t>
-            </a:r>
-            <a:r>
-              <a:rPr lang="en-IN" sz="2500" dirty="0" smtClean="0">
-                <a:latin typeface="Cambria" pitchFamily="18" charset="0"/>
-              </a:rPr>
-              <a:t>exception handling code</a:t>
+              <a:t>		//exception handling code</a:t>
             </a:r>
           </a:p>
           <a:p>
@@ -8698,19 +8716,7 @@
               <a:rPr lang="en-IN" sz="2500" dirty="0" smtClean="0">
                 <a:latin typeface="Cambria" pitchFamily="18" charset="0"/>
               </a:rPr>
-              <a:t>exception </a:t>
-            </a:r>
-            <a:r>
-              <a:rPr lang="en-IN" sz="2500" dirty="0" smtClean="0">
-                <a:latin typeface="Cambria" pitchFamily="18" charset="0"/>
-              </a:rPr>
-              <a:t>type </a:t>
-            </a:r>
-            <a:r>
-              <a:rPr lang="en-IN" sz="2500" dirty="0" smtClean="0">
-                <a:latin typeface="Cambria" pitchFamily="18" charset="0"/>
-              </a:rPr>
-              <a:t>2</a:t>
+              <a:t>exception type 2</a:t>
             </a:r>
             <a:r>
               <a:rPr kumimoji="0" lang="en-IN" sz="2500" b="0" i="0" u="none" strike="noStrike" kern="1200" cap="none" spc="0" normalizeH="0" baseline="0" noProof="0" dirty="0" smtClean="0">
@@ -9046,13 +9052,7 @@
               <a:rPr lang="en-IN" sz="2500" dirty="0" smtClean="0">
                 <a:latin typeface="Cambria" pitchFamily="18" charset="0"/>
               </a:rPr>
-              <a:t> </a:t>
-            </a:r>
-            <a:r>
-              <a:rPr lang="en-IN" sz="2500" dirty="0" smtClean="0">
-                <a:latin typeface="Cambria" pitchFamily="18" charset="0"/>
-              </a:rPr>
-              <a:t>new Exception()</a:t>
+              <a:t> new Exception()</a:t>
             </a:r>
             <a:endParaRPr kumimoji="0" lang="en-IN" sz="2500" b="0" i="0" u="none" strike="noStrike" kern="1200" cap="none" spc="0" normalizeH="0" baseline="0" noProof="0" dirty="0" smtClean="0">
               <a:ln>
@@ -9149,19 +9149,7 @@
               <a:rPr lang="en-IN" sz="2500" dirty="0" smtClean="0">
                 <a:latin typeface="Cambria" pitchFamily="18" charset="0"/>
               </a:rPr>
-              <a:t>exception </a:t>
-            </a:r>
-            <a:r>
-              <a:rPr lang="en-IN" sz="2500" dirty="0" smtClean="0">
-                <a:latin typeface="Cambria" pitchFamily="18" charset="0"/>
-              </a:rPr>
-              <a:t>type </a:t>
-            </a:r>
-            <a:r>
-              <a:rPr lang="en-IN" sz="2500" dirty="0" smtClean="0">
-                <a:latin typeface="Cambria" pitchFamily="18" charset="0"/>
-              </a:rPr>
-              <a:t>2</a:t>
+              <a:t>exception type 2</a:t>
             </a:r>
             <a:r>
               <a:rPr kumimoji="0" lang="en-IN" sz="2500" b="0" i="0" u="none" strike="noStrike" kern="1200" cap="none" spc="0" normalizeH="0" baseline="0" noProof="0" dirty="0" smtClean="0">
@@ -9256,17 +9244,8 @@
               <a:rPr lang="en-IN" sz="2500" dirty="0" smtClean="0">
                 <a:latin typeface="Cambria" pitchFamily="18" charset="0"/>
               </a:rPr>
-              <a:t>	 </a:t>
-            </a:r>
-            <a:r>
-              <a:rPr lang="en-IN" sz="2500" dirty="0" smtClean="0">
-                <a:latin typeface="Cambria" pitchFamily="18" charset="0"/>
-              </a:rPr>
-              <a:t>    }	</a:t>
-            </a:r>
-            <a:endParaRPr lang="en-IN" sz="2500" dirty="0" smtClean="0">
-              <a:latin typeface="Cambria" pitchFamily="18" charset="0"/>
-            </a:endParaRPr>
+              <a:t>	     }	</a:t>
+            </a:r>
           </a:p>
           <a:p>
             <a:pPr marL="342900" lvl="0" indent="-342900">
@@ -9322,13 +9301,7 @@
               <a:rPr lang="en-IN" sz="2500" dirty="0" smtClean="0">
                 <a:latin typeface="Cambria" pitchFamily="18" charset="0"/>
               </a:rPr>
-              <a:t>	</a:t>
-            </a:r>
-            <a:r>
-              <a:rPr lang="en-IN" sz="2500" dirty="0" smtClean="0">
-                <a:latin typeface="Cambria" pitchFamily="18" charset="0"/>
-              </a:rPr>
-              <a:t>    }</a:t>
+              <a:t>	    }</a:t>
             </a:r>
             <a:endParaRPr kumimoji="0" lang="en-IN" sz="2500" b="0" i="0" u="none" strike="noStrike" kern="1200" cap="none" spc="0" normalizeH="0" baseline="0" noProof="0" dirty="0" smtClean="0">
               <a:ln>
@@ -9485,6 +9458,13 @@
   <p:clrMapOvr>
     <a:masterClrMapping/>
   </p:clrMapOvr>
+  <p:timing>
+    <p:tnLst>
+      <p:par>
+        <p:cTn id="1" dur="indefinite" restart="never" nodeType="tmRoot"/>
+      </p:par>
+    </p:tnLst>
+  </p:timing>
 </p:sld>
 </file>
 
@@ -9811,6 +9791,13 @@
   <p:clrMapOvr>
     <a:masterClrMapping/>
   </p:clrMapOvr>
+  <p:timing>
+    <p:tnLst>
+      <p:par>
+        <p:cTn id="1" dur="indefinite" restart="never" nodeType="tmRoot"/>
+      </p:par>
+    </p:tnLst>
+  </p:timing>
 </p:sld>
 </file>
 
@@ -10044,6 +10031,13 @@
   <p:clrMapOvr>
     <a:masterClrMapping/>
   </p:clrMapOvr>
+  <p:timing>
+    <p:tnLst>
+      <p:par>
+        <p:cTn id="1" dur="indefinite" restart="never" nodeType="tmRoot"/>
+      </p:par>
+    </p:tnLst>
+  </p:timing>
 </p:sld>
 </file>
 
@@ -10354,13 +10348,7 @@
               <a:rPr lang="en-US" dirty="0" smtClean="0">
                 <a:hlinkClick r:id="rId5"/>
               </a:rPr>
-              <a:t>http://</a:t>
-            </a:r>
-            <a:r>
-              <a:rPr lang="en-US" dirty="0" smtClean="0">
-                <a:hlinkClick r:id="rId5"/>
-              </a:rPr>
-              <a:t>www.cyber-dojo.org/review/show/wZceyFfnPQ?avatar=lizard&amp;was_tag=6&amp;now_tag=7&amp;filename=undefined</a:t>
+              <a:t>http://www.cyber-dojo.org/review/show/wZceyFfnPQ?avatar=lizard&amp;was_tag=6&amp;now_tag=7&amp;filename=undefined</a:t>
             </a:r>
             <a:endParaRPr lang="en-US" dirty="0"/>
           </a:p>
@@ -10371,6 +10359,13 @@
   <p:clrMapOvr>
     <a:masterClrMapping/>
   </p:clrMapOvr>
+  <p:timing>
+    <p:tnLst>
+      <p:par>
+        <p:cTn id="1" dur="indefinite" restart="never" nodeType="tmRoot"/>
+      </p:par>
+    </p:tnLst>
+  </p:timing>
 </p:sld>
 </file>
 
@@ -11175,6 +11170,13 @@
   <p:clrMapOvr>
     <a:masterClrMapping/>
   </p:clrMapOvr>
+  <p:timing>
+    <p:tnLst>
+      <p:par>
+        <p:cTn id="1" dur="indefinite" restart="never" nodeType="tmRoot"/>
+      </p:par>
+    </p:tnLst>
+  </p:timing>
 </p:sld>
 </file>
 
@@ -11979,6 +11981,13 @@
   <p:clrMapOvr>
     <a:masterClrMapping/>
   </p:clrMapOvr>
+  <p:timing>
+    <p:tnLst>
+      <p:par>
+        <p:cTn id="1" dur="indefinite" restart="never" nodeType="tmRoot"/>
+      </p:par>
+    </p:tnLst>
+  </p:timing>
 </p:sld>
 </file>
 
@@ -12783,6 +12792,13 @@
   <p:clrMapOvr>
     <a:masterClrMapping/>
   </p:clrMapOvr>
+  <p:timing>
+    <p:tnLst>
+      <p:par>
+        <p:cTn id="1" dur="indefinite" restart="never" nodeType="tmRoot"/>
+      </p:par>
+    </p:tnLst>
+  </p:timing>
 </p:sld>
 </file>
 
@@ -13463,6 +13479,13 @@
   <p:clrMapOvr>
     <a:masterClrMapping/>
   </p:clrMapOvr>
+  <p:timing>
+    <p:tnLst>
+      <p:par>
+        <p:cTn id="1" dur="indefinite" restart="never" nodeType="tmRoot"/>
+      </p:par>
+    </p:tnLst>
+  </p:timing>
 </p:sld>
 </file>
 
@@ -13528,11 +13551,7 @@
             <a:pPr algn="just"/>
             <a:r>
               <a:rPr lang="en-US" dirty="0" smtClean="0"/>
-              <a:t>In Java, an exception is an event that disrupts the normal flow of the </a:t>
-            </a:r>
-            <a:r>
-              <a:rPr lang="en-US" dirty="0" smtClean="0"/>
-              <a:t>program.</a:t>
+              <a:t>In Java, an exception is an event that disrupts the normal flow of the program.</a:t>
             </a:r>
           </a:p>
           <a:p>
@@ -14119,6 +14138,13 @@
   <p:clrMapOvr>
     <a:masterClrMapping/>
   </p:clrMapOvr>
+  <p:timing>
+    <p:tnLst>
+      <p:par>
+        <p:cTn id="1" dur="indefinite" restart="never" nodeType="tmRoot"/>
+      </p:par>
+    </p:tnLst>
+  </p:timing>
 </p:sld>
 </file>
 
@@ -14253,13 +14279,7 @@
               <a:rPr lang="en-US" dirty="0" smtClean="0">
                 <a:hlinkClick r:id="rId4"/>
               </a:rPr>
-              <a:t>http://</a:t>
-            </a:r>
-            <a:r>
-              <a:rPr lang="en-US" dirty="0" smtClean="0">
-                <a:hlinkClick r:id="rId4"/>
-              </a:rPr>
-              <a:t>www.cyber-dojo.org/review/show/wZceyFfnPQ?avatar=lizard&amp;was_tag=9&amp;now_tag=10&amp;filename=undefined</a:t>
+              <a:t>http://www.cyber-dojo.org/review/show/wZceyFfnPQ?avatar=lizard&amp;was_tag=9&amp;now_tag=10&amp;filename=undefined</a:t>
             </a:r>
             <a:endParaRPr lang="en-US" dirty="0"/>
           </a:p>
@@ -14270,6 +14290,13 @@
   <p:clrMapOvr>
     <a:masterClrMapping/>
   </p:clrMapOvr>
+  <p:timing>
+    <p:tnLst>
+      <p:par>
+        <p:cTn id="1" dur="indefinite" restart="never" nodeType="tmRoot"/>
+      </p:par>
+    </p:tnLst>
+  </p:timing>
 </p:sld>
 </file>
 
@@ -15897,6 +15924,13 @@
   <p:clrMapOvr>
     <a:masterClrMapping/>
   </p:clrMapOvr>
+  <p:timing>
+    <p:tnLst>
+      <p:par>
+        <p:cTn id="1" dur="indefinite" restart="never" nodeType="tmRoot"/>
+      </p:par>
+    </p:tnLst>
+  </p:timing>
 </p:sld>
 </file>
 
@@ -15994,6 +16028,13 @@
   <p:clrMapOvr>
     <a:masterClrMapping/>
   </p:clrMapOvr>
+  <p:timing>
+    <p:tnLst>
+      <p:par>
+        <p:cTn id="1" dur="indefinite" restart="never" nodeType="tmRoot"/>
+      </p:par>
+    </p:tnLst>
+  </p:timing>
 </p:sld>
 </file>
 
@@ -16062,6 +16103,13 @@
   <p:clrMapOvr>
     <a:masterClrMapping/>
   </p:clrMapOvr>
+  <p:timing>
+    <p:tnLst>
+      <p:par>
+        <p:cTn id="1" dur="indefinite" restart="never" nodeType="tmRoot"/>
+      </p:par>
+    </p:tnLst>
+  </p:timing>
 </p:sld>
 </file>
 
@@ -16186,6 +16234,13 @@
   <p:clrMapOvr>
     <a:masterClrMapping/>
   </p:clrMapOvr>
+  <p:timing>
+    <p:tnLst>
+      <p:par>
+        <p:cTn id="1" dur="indefinite" restart="never" nodeType="tmRoot"/>
+      </p:par>
+    </p:tnLst>
+  </p:timing>
 </p:sld>
 </file>
 
@@ -16289,6 +16344,13 @@
   <p:clrMapOvr>
     <a:masterClrMapping/>
   </p:clrMapOvr>
+  <p:timing>
+    <p:tnLst>
+      <p:par>
+        <p:cTn id="1" dur="indefinite" restart="never" nodeType="tmRoot"/>
+      </p:par>
+    </p:tnLst>
+  </p:timing>
 </p:sld>
 </file>
 
@@ -17109,6 +17171,13 @@
   <p:clrMapOvr>
     <a:masterClrMapping/>
   </p:clrMapOvr>
+  <p:timing>
+    <p:tnLst>
+      <p:par>
+        <p:cTn id="1" dur="indefinite" restart="never" nodeType="tmRoot"/>
+      </p:par>
+    </p:tnLst>
+  </p:timing>
 </p:sld>
 </file>
 
@@ -17179,41 +17248,21 @@
             <a:pPr lvl="1"/>
             <a:r>
               <a:rPr lang="en-US" dirty="0" smtClean="0"/>
-              <a:t>A </a:t>
-            </a:r>
+              <a:t>A bad cast</a:t>
+            </a:r>
+          </a:p>
+          <a:p>
+            <a:pPr lvl="1"/>
             <a:r>
               <a:rPr lang="en-US" dirty="0" smtClean="0"/>
-              <a:t>bad </a:t>
-            </a:r>
+              <a:t>An out-of-bounds array access</a:t>
+            </a:r>
+          </a:p>
+          <a:p>
+            <a:pPr lvl="1"/>
             <a:r>
               <a:rPr lang="en-US" dirty="0" smtClean="0"/>
-              <a:t>cast</a:t>
-            </a:r>
-          </a:p>
-          <a:p>
-            <a:pPr lvl="1"/>
-            <a:r>
-              <a:rPr lang="en-US" dirty="0" smtClean="0"/>
-              <a:t>An </a:t>
-            </a:r>
-            <a:r>
-              <a:rPr lang="en-US" dirty="0" smtClean="0"/>
-              <a:t>out-of-bounds array access</a:t>
-            </a:r>
-          </a:p>
-          <a:p>
-            <a:pPr lvl="1"/>
-            <a:r>
-              <a:rPr lang="en-US" dirty="0" smtClean="0"/>
-              <a:t>A </a:t>
-            </a:r>
-            <a:r>
-              <a:rPr lang="en-US" dirty="0" smtClean="0"/>
-              <a:t>null pointer </a:t>
-            </a:r>
-            <a:r>
-              <a:rPr lang="en-US" dirty="0" smtClean="0"/>
-              <a:t>access</a:t>
+              <a:t>A null pointer access</a:t>
             </a:r>
           </a:p>
           <a:p>
@@ -17227,41 +17276,21 @@
             <a:pPr lvl="1"/>
             <a:r>
               <a:rPr lang="en-US" dirty="0" smtClean="0"/>
-              <a:t>Trying </a:t>
-            </a:r>
+              <a:t>Trying to read past the end of a file</a:t>
+            </a:r>
+          </a:p>
+          <a:p>
+            <a:pPr lvl="1"/>
             <a:r>
               <a:rPr lang="en-US" dirty="0" smtClean="0"/>
-              <a:t>to read past the end of a </a:t>
-            </a:r>
+              <a:t>Trying to open a file that doesn’t exist</a:t>
+            </a:r>
+          </a:p>
+          <a:p>
+            <a:pPr lvl="1"/>
             <a:r>
               <a:rPr lang="en-US" dirty="0" smtClean="0"/>
-              <a:t>file</a:t>
-            </a:r>
-          </a:p>
-          <a:p>
-            <a:pPr lvl="1"/>
-            <a:r>
-              <a:rPr lang="en-US" dirty="0" smtClean="0"/>
-              <a:t>Trying </a:t>
-            </a:r>
-            <a:r>
-              <a:rPr lang="en-US" dirty="0" smtClean="0"/>
-              <a:t>to open a file that doesn’t </a:t>
-            </a:r>
-            <a:r>
-              <a:rPr lang="en-US" dirty="0" smtClean="0"/>
-              <a:t>exist</a:t>
-            </a:r>
-          </a:p>
-          <a:p>
-            <a:pPr lvl="1"/>
-            <a:r>
-              <a:rPr lang="en-US" dirty="0" smtClean="0"/>
-              <a:t>Trying </a:t>
-            </a:r>
-            <a:r>
-              <a:rPr lang="en-US" dirty="0" smtClean="0"/>
-              <a:t>to find a </a:t>
+              <a:t>Trying to find a </a:t>
             </a:r>
             <a:r>
               <a:rPr lang="en-US" sz="2400" dirty="0" smtClean="0"/>
@@ -17280,6 +17309,13 @@
   <p:clrMapOvr>
     <a:masterClrMapping/>
   </p:clrMapOvr>
+  <p:timing>
+    <p:tnLst>
+      <p:par>
+        <p:cTn id="1" dur="indefinite" restart="never" nodeType="tmRoot"/>
+      </p:par>
+    </p:tnLst>
+  </p:timing>
 </p:sld>
 </file>
 

--- a/Slides/Unit 3/CS8392-U2-Exceptions.pptx
+++ b/Slides/Unit 3/CS8392-U2-Exceptions.pptx
@@ -7447,13 +7447,6 @@
   <p:clrMapOvr>
     <a:masterClrMapping/>
   </p:clrMapOvr>
-  <p:timing>
-    <p:tnLst>
-      <p:par>
-        <p:cTn id="1" dur="indefinite" restart="never" nodeType="tmRoot"/>
-      </p:par>
-    </p:tnLst>
-  </p:timing>
 </p:sld>
 </file>
 
@@ -8189,13 +8182,6 @@
   <p:clrMapOvr>
     <a:masterClrMapping/>
   </p:clrMapOvr>
-  <p:timing>
-    <p:tnLst>
-      <p:par>
-        <p:cTn id="1" dur="indefinite" restart="never" nodeType="tmRoot"/>
-      </p:par>
-    </p:tnLst>
-  </p:timing>
 </p:sld>
 </file>
 
@@ -9458,13 +9444,6 @@
   <p:clrMapOvr>
     <a:masterClrMapping/>
   </p:clrMapOvr>
-  <p:timing>
-    <p:tnLst>
-      <p:par>
-        <p:cTn id="1" dur="indefinite" restart="never" nodeType="tmRoot"/>
-      </p:par>
-    </p:tnLst>
-  </p:timing>
 </p:sld>
 </file>
 
@@ -9791,13 +9770,6 @@
   <p:clrMapOvr>
     <a:masterClrMapping/>
   </p:clrMapOvr>
-  <p:timing>
-    <p:tnLst>
-      <p:par>
-        <p:cTn id="1" dur="indefinite" restart="never" nodeType="tmRoot"/>
-      </p:par>
-    </p:tnLst>
-  </p:timing>
 </p:sld>
 </file>
 
@@ -10031,13 +10003,6 @@
   <p:clrMapOvr>
     <a:masterClrMapping/>
   </p:clrMapOvr>
-  <p:timing>
-    <p:tnLst>
-      <p:par>
-        <p:cTn id="1" dur="indefinite" restart="never" nodeType="tmRoot"/>
-      </p:par>
-    </p:tnLst>
-  </p:timing>
 </p:sld>
 </file>
 
@@ -10359,13 +10324,6 @@
   <p:clrMapOvr>
     <a:masterClrMapping/>
   </p:clrMapOvr>
-  <p:timing>
-    <p:tnLst>
-      <p:par>
-        <p:cTn id="1" dur="indefinite" restart="never" nodeType="tmRoot"/>
-      </p:par>
-    </p:tnLst>
-  </p:timing>
 </p:sld>
 </file>
 
@@ -11170,13 +11128,6 @@
   <p:clrMapOvr>
     <a:masterClrMapping/>
   </p:clrMapOvr>
-  <p:timing>
-    <p:tnLst>
-      <p:par>
-        <p:cTn id="1" dur="indefinite" restart="never" nodeType="tmRoot"/>
-      </p:par>
-    </p:tnLst>
-  </p:timing>
 </p:sld>
 </file>
 
@@ -11981,13 +11932,6 @@
   <p:clrMapOvr>
     <a:masterClrMapping/>
   </p:clrMapOvr>
-  <p:timing>
-    <p:tnLst>
-      <p:par>
-        <p:cTn id="1" dur="indefinite" restart="never" nodeType="tmRoot"/>
-      </p:par>
-    </p:tnLst>
-  </p:timing>
 </p:sld>
 </file>
 
@@ -12792,13 +12736,6 @@
   <p:clrMapOvr>
     <a:masterClrMapping/>
   </p:clrMapOvr>
-  <p:timing>
-    <p:tnLst>
-      <p:par>
-        <p:cTn id="1" dur="indefinite" restart="never" nodeType="tmRoot"/>
-      </p:par>
-    </p:tnLst>
-  </p:timing>
 </p:sld>
 </file>
 
@@ -13479,13 +13416,6 @@
   <p:clrMapOvr>
     <a:masterClrMapping/>
   </p:clrMapOvr>
-  <p:timing>
-    <p:tnLst>
-      <p:par>
-        <p:cTn id="1" dur="indefinite" restart="never" nodeType="tmRoot"/>
-      </p:par>
-    </p:tnLst>
-  </p:timing>
 </p:sld>
 </file>
 
@@ -14138,13 +14068,6 @@
   <p:clrMapOvr>
     <a:masterClrMapping/>
   </p:clrMapOvr>
-  <p:timing>
-    <p:tnLst>
-      <p:par>
-        <p:cTn id="1" dur="indefinite" restart="never" nodeType="tmRoot"/>
-      </p:par>
-    </p:tnLst>
-  </p:timing>
 </p:sld>
 </file>
 
@@ -14290,13 +14213,6 @@
   <p:clrMapOvr>
     <a:masterClrMapping/>
   </p:clrMapOvr>
-  <p:timing>
-    <p:tnLst>
-      <p:par>
-        <p:cTn id="1" dur="indefinite" restart="never" nodeType="tmRoot"/>
-      </p:par>
-    </p:tnLst>
-  </p:timing>
 </p:sld>
 </file>
 
@@ -15924,13 +15840,6 @@
   <p:clrMapOvr>
     <a:masterClrMapping/>
   </p:clrMapOvr>
-  <p:timing>
-    <p:tnLst>
-      <p:par>
-        <p:cTn id="1" dur="indefinite" restart="never" nodeType="tmRoot"/>
-      </p:par>
-    </p:tnLst>
-  </p:timing>
 </p:sld>
 </file>
 
@@ -16028,13 +15937,6 @@
   <p:clrMapOvr>
     <a:masterClrMapping/>
   </p:clrMapOvr>
-  <p:timing>
-    <p:tnLst>
-      <p:par>
-        <p:cTn id="1" dur="indefinite" restart="never" nodeType="tmRoot"/>
-      </p:par>
-    </p:tnLst>
-  </p:timing>
 </p:sld>
 </file>
 
@@ -16103,13 +16005,6 @@
   <p:clrMapOvr>
     <a:masterClrMapping/>
   </p:clrMapOvr>
-  <p:timing>
-    <p:tnLst>
-      <p:par>
-        <p:cTn id="1" dur="indefinite" restart="never" nodeType="tmRoot"/>
-      </p:par>
-    </p:tnLst>
-  </p:timing>
 </p:sld>
 </file>
 
@@ -16234,13 +16129,6 @@
   <p:clrMapOvr>
     <a:masterClrMapping/>
   </p:clrMapOvr>
-  <p:timing>
-    <p:tnLst>
-      <p:par>
-        <p:cTn id="1" dur="indefinite" restart="never" nodeType="tmRoot"/>
-      </p:par>
-    </p:tnLst>
-  </p:timing>
 </p:sld>
 </file>
 
@@ -16344,13 +16232,6 @@
   <p:clrMapOvr>
     <a:masterClrMapping/>
   </p:clrMapOvr>
-  <p:timing>
-    <p:tnLst>
-      <p:par>
-        <p:cTn id="1" dur="indefinite" restart="never" nodeType="tmRoot"/>
-      </p:par>
-    </p:tnLst>
-  </p:timing>
 </p:sld>
 </file>
 
@@ -17171,13 +17052,6 @@
   <p:clrMapOvr>
     <a:masterClrMapping/>
   </p:clrMapOvr>
-  <p:timing>
-    <p:tnLst>
-      <p:par>
-        <p:cTn id="1" dur="indefinite" restart="never" nodeType="tmRoot"/>
-      </p:par>
-    </p:tnLst>
-  </p:timing>
 </p:sld>
 </file>
 
@@ -17234,7 +17108,7 @@
         <p:spPr/>
         <p:txBody>
           <a:bodyPr>
-            <a:normAutofit lnSpcReduction="10000"/>
+            <a:normAutofit/>
           </a:bodyPr>
           <a:lstStyle/>
           <a:p>
@@ -17285,22 +17159,6 @@
               <a:rPr lang="en-US" dirty="0" smtClean="0"/>
               <a:t>Trying to open a file that doesn’t exist</a:t>
             </a:r>
-          </a:p>
-          <a:p>
-            <a:pPr lvl="1"/>
-            <a:r>
-              <a:rPr lang="en-US" dirty="0" smtClean="0"/>
-              <a:t>Trying to find a </a:t>
-            </a:r>
-            <a:r>
-              <a:rPr lang="en-US" sz="2400" dirty="0" smtClean="0"/>
-              <a:t>Class </a:t>
-            </a:r>
-            <a:r>
-              <a:rPr lang="en-US" dirty="0" smtClean="0"/>
-              <a:t>object for a string that does not denote an existing class</a:t>
-            </a:r>
-            <a:endParaRPr lang="en-US" dirty="0"/>
           </a:p>
         </p:txBody>
       </p:sp>
@@ -17309,13 +17167,6 @@
   <p:clrMapOvr>
     <a:masterClrMapping/>
   </p:clrMapOvr>
-  <p:timing>
-    <p:tnLst>
-      <p:par>
-        <p:cTn id="1" dur="indefinite" restart="never" nodeType="tmRoot"/>
-      </p:par>
-    </p:tnLst>
-  </p:timing>
 </p:sld>
 </file>
 

--- a/Slides/Unit 3/CS8392-U2-Exceptions.pptx
+++ b/Slides/Unit 3/CS8392-U2-Exceptions.pptx
@@ -5,7 +5,7 @@
     <p:sldMasterId id="2147483648" r:id="rId1"/>
   </p:sldMasterIdLst>
   <p:notesMasterIdLst>
-    <p:notesMasterId r:id="rId24"/>
+    <p:notesMasterId r:id="rId39"/>
   </p:notesMasterIdLst>
   <p:sldIdLst>
     <p:sldId id="256" r:id="rId2"/>
@@ -29,7 +29,22 @@
     <p:sldId id="303" r:id="rId20"/>
     <p:sldId id="304" r:id="rId21"/>
     <p:sldId id="305" r:id="rId22"/>
-    <p:sldId id="272" r:id="rId23"/>
+    <p:sldId id="306" r:id="rId23"/>
+    <p:sldId id="308" r:id="rId24"/>
+    <p:sldId id="307" r:id="rId25"/>
+    <p:sldId id="319" r:id="rId26"/>
+    <p:sldId id="320" r:id="rId27"/>
+    <p:sldId id="321" r:id="rId28"/>
+    <p:sldId id="309" r:id="rId29"/>
+    <p:sldId id="310" r:id="rId30"/>
+    <p:sldId id="311" r:id="rId31"/>
+    <p:sldId id="312" r:id="rId32"/>
+    <p:sldId id="313" r:id="rId33"/>
+    <p:sldId id="314" r:id="rId34"/>
+    <p:sldId id="315" r:id="rId35"/>
+    <p:sldId id="317" r:id="rId36"/>
+    <p:sldId id="318" r:id="rId37"/>
+    <p:sldId id="272" r:id="rId38"/>
   </p:sldIdLst>
   <p:sldSz cx="9144000" cy="6858000" type="screen4x3"/>
   <p:notesSz cx="6858000" cy="9144000"/>
@@ -3641,7 +3656,7 @@
             <a:fld id="{9515075B-F3F0-4441-A1BD-B7B515B708FF}" type="datetimeFigureOut">
               <a:rPr lang="en-US" smtClean="0"/>
               <a:pPr/>
-              <a:t>8/16/2018</a:t>
+              <a:t>8/20/2018</a:t>
             </a:fld>
             <a:endParaRPr lang="en-US"/>
           </a:p>
@@ -4153,6 +4168,170 @@
 </p:notes>
 </file>
 
+<file path=ppt/notesSlides/notesSlide4.xml><?xml version="1.0" encoding="utf-8"?>
+<p:notes xmlns:a="http://schemas.openxmlformats.org/drawingml/2006/main" xmlns:r="http://schemas.openxmlformats.org/officeDocument/2006/relationships" xmlns:p="http://schemas.openxmlformats.org/presentationml/2006/main">
+  <p:cSld>
+    <p:spTree>
+      <p:nvGrpSpPr>
+        <p:cNvPr id="1" name=""/>
+        <p:cNvGrpSpPr/>
+        <p:nvPr/>
+      </p:nvGrpSpPr>
+      <p:grpSpPr>
+        <a:xfrm>
+          <a:off x="0" y="0"/>
+          <a:ext cx="0" cy="0"/>
+          <a:chOff x="0" y="0"/>
+          <a:chExt cx="0" cy="0"/>
+        </a:xfrm>
+      </p:grpSpPr>
+      <p:sp>
+        <p:nvSpPr>
+          <p:cNvPr id="2" name="Slide Image Placeholder 1"/>
+          <p:cNvSpPr>
+            <a:spLocks noGrp="1" noRot="1" noChangeAspect="1"/>
+          </p:cNvSpPr>
+          <p:nvPr>
+            <p:ph type="sldImg"/>
+          </p:nvPr>
+        </p:nvSpPr>
+        <p:spPr/>
+      </p:sp>
+      <p:sp>
+        <p:nvSpPr>
+          <p:cNvPr id="3" name="Notes Placeholder 2"/>
+          <p:cNvSpPr>
+            <a:spLocks noGrp="1"/>
+          </p:cNvSpPr>
+          <p:nvPr>
+            <p:ph type="body" idx="1"/>
+          </p:nvPr>
+        </p:nvSpPr>
+        <p:spPr/>
+        <p:txBody>
+          <a:bodyPr>
+            <a:normAutofit/>
+          </a:bodyPr>
+          <a:lstStyle/>
+          <a:p>
+            <a:endParaRPr lang="en-US" dirty="0"/>
+          </a:p>
+        </p:txBody>
+      </p:sp>
+      <p:sp>
+        <p:nvSpPr>
+          <p:cNvPr id="4" name="Slide Number Placeholder 3"/>
+          <p:cNvSpPr>
+            <a:spLocks noGrp="1"/>
+          </p:cNvSpPr>
+          <p:nvPr>
+            <p:ph type="sldNum" sz="quarter" idx="10"/>
+          </p:nvPr>
+        </p:nvSpPr>
+        <p:spPr/>
+        <p:txBody>
+          <a:bodyPr/>
+          <a:lstStyle/>
+          <a:p>
+            <a:fld id="{7399046D-0A48-46A7-81AC-1A4C0754FE96}" type="slidenum">
+              <a:rPr lang="en-US" smtClean="0"/>
+              <a:pPr/>
+              <a:t>27</a:t>
+            </a:fld>
+            <a:endParaRPr lang="en-US"/>
+          </a:p>
+        </p:txBody>
+      </p:sp>
+    </p:spTree>
+  </p:cSld>
+  <p:clrMapOvr>
+    <a:masterClrMapping/>
+  </p:clrMapOvr>
+</p:notes>
+</file>
+
+<file path=ppt/notesSlides/notesSlide5.xml><?xml version="1.0" encoding="utf-8"?>
+<p:notes xmlns:a="http://schemas.openxmlformats.org/drawingml/2006/main" xmlns:r="http://schemas.openxmlformats.org/officeDocument/2006/relationships" xmlns:p="http://schemas.openxmlformats.org/presentationml/2006/main">
+  <p:cSld>
+    <p:spTree>
+      <p:nvGrpSpPr>
+        <p:cNvPr id="1" name=""/>
+        <p:cNvGrpSpPr/>
+        <p:nvPr/>
+      </p:nvGrpSpPr>
+      <p:grpSpPr>
+        <a:xfrm>
+          <a:off x="0" y="0"/>
+          <a:ext cx="0" cy="0"/>
+          <a:chOff x="0" y="0"/>
+          <a:chExt cx="0" cy="0"/>
+        </a:xfrm>
+      </p:grpSpPr>
+      <p:sp>
+        <p:nvSpPr>
+          <p:cNvPr id="2" name="Slide Image Placeholder 1"/>
+          <p:cNvSpPr>
+            <a:spLocks noGrp="1" noRot="1" noChangeAspect="1"/>
+          </p:cNvSpPr>
+          <p:nvPr>
+            <p:ph type="sldImg"/>
+          </p:nvPr>
+        </p:nvSpPr>
+        <p:spPr/>
+      </p:sp>
+      <p:sp>
+        <p:nvSpPr>
+          <p:cNvPr id="3" name="Notes Placeholder 2"/>
+          <p:cNvSpPr>
+            <a:spLocks noGrp="1"/>
+          </p:cNvSpPr>
+          <p:nvPr>
+            <p:ph type="body" idx="1"/>
+          </p:nvPr>
+        </p:nvSpPr>
+        <p:spPr/>
+        <p:txBody>
+          <a:bodyPr>
+            <a:normAutofit/>
+          </a:bodyPr>
+          <a:lstStyle/>
+          <a:p>
+            <a:endParaRPr lang="en-US" dirty="0"/>
+          </a:p>
+        </p:txBody>
+      </p:sp>
+      <p:sp>
+        <p:nvSpPr>
+          <p:cNvPr id="4" name="Slide Number Placeholder 3"/>
+          <p:cNvSpPr>
+            <a:spLocks noGrp="1"/>
+          </p:cNvSpPr>
+          <p:nvPr>
+            <p:ph type="sldNum" sz="quarter" idx="10"/>
+          </p:nvPr>
+        </p:nvSpPr>
+        <p:spPr/>
+        <p:txBody>
+          <a:bodyPr/>
+          <a:lstStyle/>
+          <a:p>
+            <a:fld id="{7399046D-0A48-46A7-81AC-1A4C0754FE96}" type="slidenum">
+              <a:rPr lang="en-US" smtClean="0"/>
+              <a:pPr/>
+              <a:t>28</a:t>
+            </a:fld>
+            <a:endParaRPr lang="en-US"/>
+          </a:p>
+        </p:txBody>
+      </p:sp>
+    </p:spTree>
+  </p:cSld>
+  <p:clrMapOvr>
+    <a:masterClrMapping/>
+  </p:clrMapOvr>
+</p:notes>
+</file>
+
 <file path=ppt/slideLayouts/slideLayout1.xml><?xml version="1.0" encoding="utf-8"?>
 <p:sldLayout xmlns:a="http://schemas.openxmlformats.org/drawingml/2006/main" xmlns:r="http://schemas.openxmlformats.org/officeDocument/2006/relationships" xmlns:p="http://schemas.openxmlformats.org/presentationml/2006/main" type="title" preserve="1">
   <p:cSld name="Title Slide">
@@ -4342,7 +4521,7 @@
             <a:fld id="{6E658DF8-B8C0-4C7F-85EB-B53A2DDD44A9}" type="datetimeFigureOut">
               <a:rPr lang="en-US" smtClean="0"/>
               <a:pPr/>
-              <a:t>8/16/2018</a:t>
+              <a:t>8/20/2018</a:t>
             </a:fld>
             <a:endParaRPr lang="en-US"/>
           </a:p>
@@ -4509,7 +4688,7 @@
             <a:fld id="{6E658DF8-B8C0-4C7F-85EB-B53A2DDD44A9}" type="datetimeFigureOut">
               <a:rPr lang="en-US" smtClean="0"/>
               <a:pPr/>
-              <a:t>8/16/2018</a:t>
+              <a:t>8/20/2018</a:t>
             </a:fld>
             <a:endParaRPr lang="en-US"/>
           </a:p>
@@ -4686,7 +4865,7 @@
             <a:fld id="{6E658DF8-B8C0-4C7F-85EB-B53A2DDD44A9}" type="datetimeFigureOut">
               <a:rPr lang="en-US" smtClean="0"/>
               <a:pPr/>
-              <a:t>8/16/2018</a:t>
+              <a:t>8/20/2018</a:t>
             </a:fld>
             <a:endParaRPr lang="en-US"/>
           </a:p>
@@ -4885,7 +5064,7 @@
             <a:fld id="{6E658DF8-B8C0-4C7F-85EB-B53A2DDD44A9}" type="datetimeFigureOut">
               <a:rPr lang="en-US" smtClean="0"/>
               <a:pPr/>
-              <a:t>8/16/2018</a:t>
+              <a:t>8/20/2018</a:t>
             </a:fld>
             <a:endParaRPr lang="en-US"/>
           </a:p>
@@ -5128,7 +5307,7 @@
             <a:fld id="{6E658DF8-B8C0-4C7F-85EB-B53A2DDD44A9}" type="datetimeFigureOut">
               <a:rPr lang="en-US" smtClean="0"/>
               <a:pPr/>
-              <a:t>8/16/2018</a:t>
+              <a:t>8/20/2018</a:t>
             </a:fld>
             <a:endParaRPr lang="en-US"/>
           </a:p>
@@ -5413,7 +5592,7 @@
             <a:fld id="{6E658DF8-B8C0-4C7F-85EB-B53A2DDD44A9}" type="datetimeFigureOut">
               <a:rPr lang="en-US" smtClean="0"/>
               <a:pPr/>
-              <a:t>8/16/2018</a:t>
+              <a:t>8/20/2018</a:t>
             </a:fld>
             <a:endParaRPr lang="en-US"/>
           </a:p>
@@ -5832,7 +6011,7 @@
             <a:fld id="{6E658DF8-B8C0-4C7F-85EB-B53A2DDD44A9}" type="datetimeFigureOut">
               <a:rPr lang="en-US" smtClean="0"/>
               <a:pPr/>
-              <a:t>8/16/2018</a:t>
+              <a:t>8/20/2018</a:t>
             </a:fld>
             <a:endParaRPr lang="en-US"/>
           </a:p>
@@ -5947,7 +6126,7 @@
             <a:fld id="{6E658DF8-B8C0-4C7F-85EB-B53A2DDD44A9}" type="datetimeFigureOut">
               <a:rPr lang="en-US" smtClean="0"/>
               <a:pPr/>
-              <a:t>8/16/2018</a:t>
+              <a:t>8/20/2018</a:t>
             </a:fld>
             <a:endParaRPr lang="en-US"/>
           </a:p>
@@ -6039,7 +6218,7 @@
             <a:fld id="{6E658DF8-B8C0-4C7F-85EB-B53A2DDD44A9}" type="datetimeFigureOut">
               <a:rPr lang="en-US" smtClean="0"/>
               <a:pPr/>
-              <a:t>8/16/2018</a:t>
+              <a:t>8/20/2018</a:t>
             </a:fld>
             <a:endParaRPr lang="en-US"/>
           </a:p>
@@ -6313,7 +6492,7 @@
             <a:fld id="{6E658DF8-B8C0-4C7F-85EB-B53A2DDD44A9}" type="datetimeFigureOut">
               <a:rPr lang="en-US" smtClean="0"/>
               <a:pPr/>
-              <a:t>8/16/2018</a:t>
+              <a:t>8/20/2018</a:t>
             </a:fld>
             <a:endParaRPr lang="en-US"/>
           </a:p>
@@ -6563,7 +6742,7 @@
             <a:fld id="{6E658DF8-B8C0-4C7F-85EB-B53A2DDD44A9}" type="datetimeFigureOut">
               <a:rPr lang="en-US" smtClean="0"/>
               <a:pPr/>
-              <a:t>8/16/2018</a:t>
+              <a:t>8/20/2018</a:t>
             </a:fld>
             <a:endParaRPr lang="en-US"/>
           </a:p>
@@ -6779,7 +6958,7 @@
             <a:fld id="{6E658DF8-B8C0-4C7F-85EB-B53A2DDD44A9}" type="datetimeFigureOut">
               <a:rPr lang="en-US" smtClean="0"/>
               <a:pPr/>
-              <a:t>8/16/2018</a:t>
+              <a:t>8/20/2018</a:t>
             </a:fld>
             <a:endParaRPr lang="en-US"/>
           </a:p>
@@ -13870,14 +14049,14 @@
                     <a:p>
                       <a:pPr algn="just" fontAlgn="t"/>
                       <a:r>
-                        <a:rPr lang="en-US" b="1">
+                        <a:rPr lang="en-US" b="1" dirty="0" err="1">
                           <a:solidFill>
                             <a:srgbClr val="000000"/>
                           </a:solidFill>
                         </a:rPr>
                         <a:t>NoSuchFieldException</a:t>
                       </a:r>
-                      <a:endParaRPr lang="en-US">
+                      <a:endParaRPr lang="en-US" dirty="0">
                         <a:solidFill>
                           <a:srgbClr val="000000"/>
                         </a:solidFill>
@@ -13886,7 +14065,7 @@
                     <a:p>
                       <a:pPr algn="just" fontAlgn="t"/>
                       <a:r>
-                        <a:rPr lang="en-US">
+                        <a:rPr lang="en-US" dirty="0">
                           <a:solidFill>
                             <a:srgbClr val="000000"/>
                           </a:solidFill>
@@ -14243,10 +14422,33 @@
             <p:ph type="title"/>
           </p:nvPr>
         </p:nvSpPr>
+        <p:spPr/>
+        <p:txBody>
+          <a:bodyPr/>
+          <a:lstStyle/>
+          <a:p>
+            <a:r>
+              <a:rPr lang="en-IN" dirty="0" smtClean="0"/>
+              <a:t>Multiple Catch</a:t>
+            </a:r>
+            <a:endParaRPr lang="en-US" dirty="0"/>
+          </a:p>
+        </p:txBody>
+      </p:sp>
+      <p:sp>
+        <p:nvSpPr>
+          <p:cNvPr id="4" name="Content Placeholder 3"/>
+          <p:cNvSpPr>
+            <a:spLocks noGrp="1"/>
+          </p:cNvSpPr>
+          <p:nvPr>
+            <p:ph idx="1"/>
+          </p:nvPr>
+        </p:nvSpPr>
         <p:spPr>
           <a:xfrm>
-            <a:off x="457200" y="1981200"/>
-            <a:ext cx="8229600" cy="1143000"/>
+            <a:off x="457200" y="1600201"/>
+            <a:ext cx="8229600" cy="1981200"/>
           </a:xfrm>
         </p:spPr>
         <p:txBody>
@@ -14254,16 +14456,661 @@
           <a:lstStyle/>
           <a:p>
             <a:r>
-              <a:rPr lang="en-US" dirty="0" smtClean="0"/>
-              <a:t>Thank You</a:t>
-            </a:r>
-            <a:endParaRPr lang="en-US" dirty="0"/>
+              <a:rPr lang="en-IN" dirty="0" smtClean="0"/>
+              <a:t>It has one try and multi-catch statement.</a:t>
+            </a:r>
+          </a:p>
+          <a:p>
+            <a:r>
+              <a:rPr lang="en-IN" dirty="0" smtClean="0"/>
+              <a:t>It performs different tasks for a different exceptions.  </a:t>
+            </a:r>
           </a:p>
         </p:txBody>
       </p:sp>
       <p:sp>
         <p:nvSpPr>
-          <p:cNvPr id="4" name="Subtitle 2"/>
+          <p:cNvPr id="5" name="Rectangle 4"/>
+          <p:cNvSpPr/>
+          <p:nvPr/>
+        </p:nvSpPr>
+        <p:spPr>
+          <a:xfrm>
+            <a:off x="685800" y="3962400"/>
+            <a:ext cx="8001000" cy="923330"/>
+          </a:xfrm>
+          <a:prstGeom prst="rect">
+            <a:avLst/>
+          </a:prstGeom>
+        </p:spPr>
+        <p:txBody>
+          <a:bodyPr wrap="square">
+            <a:spAutoFit/>
+          </a:bodyPr>
+          <a:lstStyle/>
+          <a:p>
+            <a:r>
+              <a:rPr lang="en-US" dirty="0" smtClean="0">
+                <a:hlinkClick r:id="rId2"/>
+              </a:rPr>
+              <a:t>http://</a:t>
+            </a:r>
+            <a:r>
+              <a:rPr lang="en-US" dirty="0" smtClean="0">
+                <a:hlinkClick r:id="rId2"/>
+              </a:rPr>
+              <a:t>www.cyber-dojo.org/review/show/SV6CnDy973?avatar=hippo&amp;was_tag=1&amp;now_tag=2&amp;filename=undefined</a:t>
+            </a:r>
+            <a:endParaRPr lang="en-US" dirty="0"/>
+          </a:p>
+        </p:txBody>
+      </p:sp>
+    </p:spTree>
+  </p:cSld>
+  <p:clrMapOvr>
+    <a:masterClrMapping/>
+  </p:clrMapOvr>
+</p:sld>
+</file>
+
+<file path=ppt/slides/slide23.xml><?xml version="1.0" encoding="utf-8"?>
+<p:sld xmlns:a="http://schemas.openxmlformats.org/drawingml/2006/main" xmlns:r="http://schemas.openxmlformats.org/officeDocument/2006/relationships" xmlns:p="http://schemas.openxmlformats.org/presentationml/2006/main">
+  <p:cSld>
+    <p:spTree>
+      <p:nvGrpSpPr>
+        <p:cNvPr id="1" name=""/>
+        <p:cNvGrpSpPr/>
+        <p:nvPr/>
+      </p:nvGrpSpPr>
+      <p:grpSpPr>
+        <a:xfrm>
+          <a:off x="0" y="0"/>
+          <a:ext cx="0" cy="0"/>
+          <a:chOff x="0" y="0"/>
+          <a:chExt cx="0" cy="0"/>
+        </a:xfrm>
+      </p:grpSpPr>
+      <p:sp>
+        <p:nvSpPr>
+          <p:cNvPr id="2" name="Title 1"/>
+          <p:cNvSpPr>
+            <a:spLocks noGrp="1"/>
+          </p:cNvSpPr>
+          <p:nvPr>
+            <p:ph type="title"/>
+          </p:nvPr>
+        </p:nvSpPr>
+        <p:spPr/>
+        <p:txBody>
+          <a:bodyPr/>
+          <a:lstStyle/>
+          <a:p>
+            <a:r>
+              <a:rPr lang="en-IN" dirty="0" smtClean="0"/>
+              <a:t>Multiple Catch</a:t>
+            </a:r>
+            <a:endParaRPr lang="en-US" dirty="0"/>
+          </a:p>
+        </p:txBody>
+      </p:sp>
+      <p:pic>
+        <p:nvPicPr>
+          <p:cNvPr id="2050" name="Picture 2"/>
+          <p:cNvPicPr>
+            <a:picLocks noChangeAspect="1" noChangeArrowheads="1"/>
+          </p:cNvPicPr>
+          <p:nvPr/>
+        </p:nvPicPr>
+        <p:blipFill>
+          <a:blip r:embed="rId2"/>
+          <a:srcRect/>
+          <a:stretch>
+            <a:fillRect/>
+          </a:stretch>
+        </p:blipFill>
+        <p:spPr bwMode="auto">
+          <a:xfrm>
+            <a:off x="381000" y="1676400"/>
+            <a:ext cx="6267450" cy="3590925"/>
+          </a:xfrm>
+          <a:prstGeom prst="rect">
+            <a:avLst/>
+          </a:prstGeom>
+          <a:noFill/>
+          <a:ln w="9525">
+            <a:noFill/>
+            <a:miter lim="800000"/>
+            <a:headEnd/>
+            <a:tailEnd/>
+          </a:ln>
+          <a:effectLst/>
+        </p:spPr>
+      </p:pic>
+      <p:pic>
+        <p:nvPicPr>
+          <p:cNvPr id="2051" name="Picture 3"/>
+          <p:cNvPicPr>
+            <a:picLocks noChangeAspect="1" noChangeArrowheads="1"/>
+          </p:cNvPicPr>
+          <p:nvPr/>
+        </p:nvPicPr>
+        <p:blipFill>
+          <a:blip r:embed="rId3"/>
+          <a:srcRect/>
+          <a:stretch>
+            <a:fillRect/>
+          </a:stretch>
+        </p:blipFill>
+        <p:spPr bwMode="auto">
+          <a:xfrm>
+            <a:off x="4876800" y="5334000"/>
+            <a:ext cx="3124200" cy="1162050"/>
+          </a:xfrm>
+          <a:prstGeom prst="rect">
+            <a:avLst/>
+          </a:prstGeom>
+          <a:noFill/>
+          <a:ln w="9525">
+            <a:noFill/>
+            <a:miter lim="800000"/>
+            <a:headEnd/>
+            <a:tailEnd/>
+          </a:ln>
+          <a:effectLst/>
+        </p:spPr>
+      </p:pic>
+    </p:spTree>
+  </p:cSld>
+  <p:clrMapOvr>
+    <a:masterClrMapping/>
+  </p:clrMapOvr>
+</p:sld>
+</file>
+
+<file path=ppt/slides/slide24.xml><?xml version="1.0" encoding="utf-8"?>
+<p:sld xmlns:a="http://schemas.openxmlformats.org/drawingml/2006/main" xmlns:r="http://schemas.openxmlformats.org/officeDocument/2006/relationships" xmlns:p="http://schemas.openxmlformats.org/presentationml/2006/main">
+  <p:cSld>
+    <p:spTree>
+      <p:nvGrpSpPr>
+        <p:cNvPr id="1" name=""/>
+        <p:cNvGrpSpPr/>
+        <p:nvPr/>
+      </p:nvGrpSpPr>
+      <p:grpSpPr>
+        <a:xfrm>
+          <a:off x="0" y="0"/>
+          <a:ext cx="0" cy="0"/>
+          <a:chOff x="0" y="0"/>
+          <a:chExt cx="0" cy="0"/>
+        </a:xfrm>
+      </p:grpSpPr>
+      <p:sp>
+        <p:nvSpPr>
+          <p:cNvPr id="2" name="Title 1"/>
+          <p:cNvSpPr>
+            <a:spLocks noGrp="1"/>
+          </p:cNvSpPr>
+          <p:nvPr>
+            <p:ph type="title"/>
+          </p:nvPr>
+        </p:nvSpPr>
+        <p:spPr/>
+        <p:txBody>
+          <a:bodyPr/>
+          <a:lstStyle/>
+          <a:p>
+            <a:r>
+              <a:rPr lang="en-IN" dirty="0" smtClean="0"/>
+              <a:t>Try within Catch</a:t>
+            </a:r>
+            <a:endParaRPr lang="en-US" dirty="0"/>
+          </a:p>
+        </p:txBody>
+      </p:sp>
+      <p:pic>
+        <p:nvPicPr>
+          <p:cNvPr id="1026" name="Picture 2"/>
+          <p:cNvPicPr>
+            <a:picLocks noChangeAspect="1" noChangeArrowheads="1"/>
+          </p:cNvPicPr>
+          <p:nvPr/>
+        </p:nvPicPr>
+        <p:blipFill>
+          <a:blip r:embed="rId2"/>
+          <a:srcRect/>
+          <a:stretch>
+            <a:fillRect/>
+          </a:stretch>
+        </p:blipFill>
+        <p:spPr bwMode="auto">
+          <a:xfrm>
+            <a:off x="609600" y="1828800"/>
+            <a:ext cx="4724400" cy="3752850"/>
+          </a:xfrm>
+          <a:prstGeom prst="rect">
+            <a:avLst/>
+          </a:prstGeom>
+          <a:noFill/>
+          <a:ln w="9525">
+            <a:noFill/>
+            <a:miter lim="800000"/>
+            <a:headEnd/>
+            <a:tailEnd/>
+          </a:ln>
+          <a:effectLst/>
+        </p:spPr>
+      </p:pic>
+      <p:pic>
+        <p:nvPicPr>
+          <p:cNvPr id="1027" name="Picture 3"/>
+          <p:cNvPicPr>
+            <a:picLocks noChangeAspect="1" noChangeArrowheads="1"/>
+          </p:cNvPicPr>
+          <p:nvPr/>
+        </p:nvPicPr>
+        <p:blipFill>
+          <a:blip r:embed="rId3"/>
+          <a:srcRect/>
+          <a:stretch>
+            <a:fillRect/>
+          </a:stretch>
+        </p:blipFill>
+        <p:spPr bwMode="auto">
+          <a:xfrm>
+            <a:off x="5791200" y="4572000"/>
+            <a:ext cx="2295525" cy="1609725"/>
+          </a:xfrm>
+          <a:prstGeom prst="rect">
+            <a:avLst/>
+          </a:prstGeom>
+          <a:noFill/>
+          <a:ln w="9525">
+            <a:noFill/>
+            <a:miter lim="800000"/>
+            <a:headEnd/>
+            <a:tailEnd/>
+          </a:ln>
+          <a:effectLst/>
+        </p:spPr>
+      </p:pic>
+    </p:spTree>
+  </p:cSld>
+  <p:clrMapOvr>
+    <a:masterClrMapping/>
+  </p:clrMapOvr>
+</p:sld>
+</file>
+
+<file path=ppt/slides/slide25.xml><?xml version="1.0" encoding="utf-8"?>
+<p:sld xmlns:a="http://schemas.openxmlformats.org/drawingml/2006/main" xmlns:r="http://schemas.openxmlformats.org/officeDocument/2006/relationships" xmlns:p="http://schemas.openxmlformats.org/presentationml/2006/main">
+  <p:cSld>
+    <p:spTree>
+      <p:nvGrpSpPr>
+        <p:cNvPr id="1" name=""/>
+        <p:cNvGrpSpPr/>
+        <p:nvPr/>
+      </p:nvGrpSpPr>
+      <p:grpSpPr>
+        <a:xfrm>
+          <a:off x="0" y="0"/>
+          <a:ext cx="0" cy="0"/>
+          <a:chOff x="0" y="0"/>
+          <a:chExt cx="0" cy="0"/>
+        </a:xfrm>
+      </p:grpSpPr>
+      <p:sp>
+        <p:nvSpPr>
+          <p:cNvPr id="2" name="Title 1"/>
+          <p:cNvSpPr>
+            <a:spLocks noGrp="1"/>
+          </p:cNvSpPr>
+          <p:nvPr>
+            <p:ph type="title"/>
+          </p:nvPr>
+        </p:nvSpPr>
+        <p:spPr/>
+        <p:txBody>
+          <a:bodyPr/>
+          <a:lstStyle/>
+          <a:p>
+            <a:r>
+              <a:rPr lang="en-IN" dirty="0" smtClean="0"/>
+              <a:t>Finally Block</a:t>
+            </a:r>
+            <a:endParaRPr lang="en-US" dirty="0"/>
+          </a:p>
+        </p:txBody>
+      </p:sp>
+      <p:sp>
+        <p:nvSpPr>
+          <p:cNvPr id="3" name="Content Placeholder 2"/>
+          <p:cNvSpPr>
+            <a:spLocks noGrp="1"/>
+          </p:cNvSpPr>
+          <p:nvPr>
+            <p:ph idx="1"/>
+          </p:nvPr>
+        </p:nvSpPr>
+        <p:spPr/>
+        <p:txBody>
+          <a:bodyPr/>
+          <a:lstStyle/>
+          <a:p>
+            <a:r>
+              <a:rPr lang="en-US" b="1" dirty="0" smtClean="0"/>
+              <a:t>Java finally block</a:t>
+            </a:r>
+            <a:r>
+              <a:rPr lang="en-US" dirty="0" smtClean="0"/>
+              <a:t> is a block that is used </a:t>
+            </a:r>
+            <a:r>
+              <a:rPr lang="en-US" i="1" dirty="0" smtClean="0"/>
+              <a:t>to execute important code</a:t>
+            </a:r>
+            <a:r>
+              <a:rPr lang="en-US" dirty="0" smtClean="0"/>
+              <a:t> such as closing connection, stream etc.</a:t>
+            </a:r>
+          </a:p>
+          <a:p>
+            <a:r>
+              <a:rPr lang="en-US" dirty="0" smtClean="0"/>
+              <a:t>Java finally block is always executed whether exception is handled or not.</a:t>
+            </a:r>
+          </a:p>
+          <a:p>
+            <a:r>
+              <a:rPr lang="en-US" dirty="0" smtClean="0"/>
+              <a:t>Java finally block follows try or catch block</a:t>
+            </a:r>
+            <a:r>
+              <a:rPr lang="en-US" dirty="0" smtClean="0"/>
+              <a:t>.</a:t>
+            </a:r>
+            <a:endParaRPr lang="en-US" dirty="0" smtClean="0"/>
+          </a:p>
+        </p:txBody>
+      </p:sp>
+    </p:spTree>
+  </p:cSld>
+  <p:clrMapOvr>
+    <a:masterClrMapping/>
+  </p:clrMapOvr>
+</p:sld>
+</file>
+
+<file path=ppt/slides/slide26.xml><?xml version="1.0" encoding="utf-8"?>
+<p:sld xmlns:a="http://schemas.openxmlformats.org/drawingml/2006/main" xmlns:r="http://schemas.openxmlformats.org/officeDocument/2006/relationships" xmlns:p="http://schemas.openxmlformats.org/presentationml/2006/main">
+  <p:cSld>
+    <p:spTree>
+      <p:nvGrpSpPr>
+        <p:cNvPr id="1" name=""/>
+        <p:cNvGrpSpPr/>
+        <p:nvPr/>
+      </p:nvGrpSpPr>
+      <p:grpSpPr>
+        <a:xfrm>
+          <a:off x="0" y="0"/>
+          <a:ext cx="0" cy="0"/>
+          <a:chOff x="0" y="0"/>
+          <a:chExt cx="0" cy="0"/>
+        </a:xfrm>
+      </p:grpSpPr>
+      <p:sp>
+        <p:nvSpPr>
+          <p:cNvPr id="2" name="Title 1"/>
+          <p:cNvSpPr>
+            <a:spLocks noGrp="1"/>
+          </p:cNvSpPr>
+          <p:nvPr>
+            <p:ph type="title"/>
+          </p:nvPr>
+        </p:nvSpPr>
+        <p:spPr/>
+        <p:txBody>
+          <a:bodyPr/>
+          <a:lstStyle/>
+          <a:p>
+            <a:r>
+              <a:rPr lang="en-IN" dirty="0" smtClean="0"/>
+              <a:t>Finally Block</a:t>
+            </a:r>
+            <a:endParaRPr lang="en-US" dirty="0"/>
+          </a:p>
+        </p:txBody>
+      </p:sp>
+      <p:pic>
+        <p:nvPicPr>
+          <p:cNvPr id="10242" name="Picture 2"/>
+          <p:cNvPicPr>
+            <a:picLocks noChangeAspect="1" noChangeArrowheads="1"/>
+          </p:cNvPicPr>
+          <p:nvPr/>
+        </p:nvPicPr>
+        <p:blipFill>
+          <a:blip r:embed="rId2"/>
+          <a:srcRect/>
+          <a:stretch>
+            <a:fillRect/>
+          </a:stretch>
+        </p:blipFill>
+        <p:spPr bwMode="auto">
+          <a:xfrm>
+            <a:off x="2590800" y="1510004"/>
+            <a:ext cx="4191000" cy="4738396"/>
+          </a:xfrm>
+          <a:prstGeom prst="rect">
+            <a:avLst/>
+          </a:prstGeom>
+          <a:noFill/>
+          <a:ln w="9525">
+            <a:noFill/>
+            <a:miter lim="800000"/>
+            <a:headEnd/>
+            <a:tailEnd/>
+          </a:ln>
+          <a:effectLst/>
+        </p:spPr>
+      </p:pic>
+    </p:spTree>
+  </p:cSld>
+  <p:clrMapOvr>
+    <a:masterClrMapping/>
+  </p:clrMapOvr>
+</p:sld>
+</file>
+
+<file path=ppt/slides/slide27.xml><?xml version="1.0" encoding="utf-8"?>
+<p:sld xmlns:a="http://schemas.openxmlformats.org/drawingml/2006/main" xmlns:r="http://schemas.openxmlformats.org/officeDocument/2006/relationships" xmlns:p="http://schemas.openxmlformats.org/presentationml/2006/main">
+  <p:cSld>
+    <p:spTree>
+      <p:nvGrpSpPr>
+        <p:cNvPr id="1" name=""/>
+        <p:cNvGrpSpPr/>
+        <p:nvPr/>
+      </p:nvGrpSpPr>
+      <p:grpSpPr>
+        <a:xfrm>
+          <a:off x="0" y="0"/>
+          <a:ext cx="0" cy="0"/>
+          <a:chOff x="0" y="0"/>
+          <a:chExt cx="0" cy="0"/>
+        </a:xfrm>
+      </p:grpSpPr>
+      <p:sp>
+        <p:nvSpPr>
+          <p:cNvPr id="2" name="Title 1"/>
+          <p:cNvSpPr>
+            <a:spLocks noGrp="1"/>
+          </p:cNvSpPr>
+          <p:nvPr>
+            <p:ph type="title"/>
+          </p:nvPr>
+        </p:nvSpPr>
+        <p:spPr/>
+        <p:txBody>
+          <a:bodyPr/>
+          <a:lstStyle/>
+          <a:p>
+            <a:r>
+              <a:rPr lang="en-IN" dirty="0" smtClean="0"/>
+              <a:t>Finally Block</a:t>
+            </a:r>
+            <a:endParaRPr lang="en-US" dirty="0"/>
+          </a:p>
+        </p:txBody>
+      </p:sp>
+      <p:pic>
+        <p:nvPicPr>
+          <p:cNvPr id="11266" name="Picture 2"/>
+          <p:cNvPicPr>
+            <a:picLocks noChangeAspect="1" noChangeArrowheads="1"/>
+          </p:cNvPicPr>
+          <p:nvPr/>
+        </p:nvPicPr>
+        <p:blipFill>
+          <a:blip r:embed="rId3"/>
+          <a:srcRect/>
+          <a:stretch>
+            <a:fillRect/>
+          </a:stretch>
+        </p:blipFill>
+        <p:spPr bwMode="auto">
+          <a:xfrm>
+            <a:off x="533400" y="1600200"/>
+            <a:ext cx="5486400" cy="4011930"/>
+          </a:xfrm>
+          <a:prstGeom prst="rect">
+            <a:avLst/>
+          </a:prstGeom>
+          <a:noFill/>
+          <a:ln w="9525">
+            <a:noFill/>
+            <a:miter lim="800000"/>
+            <a:headEnd/>
+            <a:tailEnd/>
+          </a:ln>
+          <a:effectLst/>
+        </p:spPr>
+      </p:pic>
+      <p:pic>
+        <p:nvPicPr>
+          <p:cNvPr id="11267" name="Picture 3"/>
+          <p:cNvPicPr>
+            <a:picLocks noChangeAspect="1" noChangeArrowheads="1"/>
+          </p:cNvPicPr>
+          <p:nvPr/>
+        </p:nvPicPr>
+        <p:blipFill>
+          <a:blip r:embed="rId4"/>
+          <a:srcRect/>
+          <a:stretch>
+            <a:fillRect/>
+          </a:stretch>
+        </p:blipFill>
+        <p:spPr bwMode="auto">
+          <a:xfrm>
+            <a:off x="5334000" y="4419600"/>
+            <a:ext cx="2933700" cy="1866900"/>
+          </a:xfrm>
+          <a:prstGeom prst="rect">
+            <a:avLst/>
+          </a:prstGeom>
+          <a:noFill/>
+          <a:ln w="9525">
+            <a:noFill/>
+            <a:miter lim="800000"/>
+            <a:headEnd/>
+            <a:tailEnd/>
+          </a:ln>
+          <a:effectLst/>
+        </p:spPr>
+      </p:pic>
+    </p:spTree>
+  </p:cSld>
+  <p:clrMapOvr>
+    <a:masterClrMapping/>
+  </p:clrMapOvr>
+</p:sld>
+</file>
+
+<file path=ppt/slides/slide28.xml><?xml version="1.0" encoding="utf-8"?>
+<p:sld xmlns:a="http://schemas.openxmlformats.org/drawingml/2006/main" xmlns:r="http://schemas.openxmlformats.org/officeDocument/2006/relationships" xmlns:p="http://schemas.openxmlformats.org/presentationml/2006/main">
+  <p:cSld>
+    <p:spTree>
+      <p:nvGrpSpPr>
+        <p:cNvPr id="1" name=""/>
+        <p:cNvGrpSpPr/>
+        <p:nvPr/>
+      </p:nvGrpSpPr>
+      <p:grpSpPr>
+        <a:xfrm>
+          <a:off x="0" y="0"/>
+          <a:ext cx="0" cy="0"/>
+          <a:chOff x="0" y="0"/>
+          <a:chExt cx="0" cy="0"/>
+        </a:xfrm>
+      </p:grpSpPr>
+      <p:sp>
+        <p:nvSpPr>
+          <p:cNvPr id="2" name="Title 1"/>
+          <p:cNvSpPr>
+            <a:spLocks noGrp="1"/>
+          </p:cNvSpPr>
+          <p:nvPr>
+            <p:ph type="title"/>
+          </p:nvPr>
+        </p:nvSpPr>
+        <p:spPr/>
+        <p:txBody>
+          <a:bodyPr/>
+          <a:lstStyle/>
+          <a:p>
+            <a:r>
+              <a:rPr lang="en-IN" dirty="0" smtClean="0"/>
+              <a:t>Exception Hierarchy  </a:t>
+            </a:r>
+            <a:endParaRPr lang="en-US" dirty="0"/>
+          </a:p>
+        </p:txBody>
+      </p:sp>
+      <p:pic>
+        <p:nvPicPr>
+          <p:cNvPr id="3075" name="Picture 3"/>
+          <p:cNvPicPr>
+            <a:picLocks noChangeAspect="1" noChangeArrowheads="1"/>
+          </p:cNvPicPr>
+          <p:nvPr/>
+        </p:nvPicPr>
+        <p:blipFill>
+          <a:blip r:embed="rId3"/>
+          <a:srcRect/>
+          <a:stretch>
+            <a:fillRect/>
+          </a:stretch>
+        </p:blipFill>
+        <p:spPr bwMode="auto">
+          <a:xfrm>
+            <a:off x="457200" y="2247900"/>
+            <a:ext cx="8068198" cy="3162300"/>
+          </a:xfrm>
+          <a:prstGeom prst="rect">
+            <a:avLst/>
+          </a:prstGeom>
+          <a:noFill/>
+          <a:ln w="9525">
+            <a:noFill/>
+            <a:miter lim="800000"/>
+            <a:headEnd/>
+            <a:tailEnd/>
+          </a:ln>
+          <a:effectLst/>
+        </p:spPr>
+      </p:pic>
+      <p:sp>
+        <p:nvSpPr>
+          <p:cNvPr id="6" name="Title 1"/>
           <p:cNvSpPr txBox="1">
             <a:spLocks/>
           </p:cNvSpPr>
@@ -14271,309 +15118,399 @@
         </p:nvSpPr>
         <p:spPr>
           <a:xfrm>
-            <a:off x="4038600" y="4191000"/>
-            <a:ext cx="4191000" cy="1752600"/>
+            <a:off x="6096000" y="1752600"/>
+            <a:ext cx="1371600" cy="457200"/>
           </a:xfrm>
           <a:prstGeom prst="rect">
             <a:avLst/>
           </a:prstGeom>
+          <a:ln/>
         </p:spPr>
+        <p:style>
+          <a:lnRef idx="1">
+            <a:schemeClr val="accent5"/>
+          </a:lnRef>
+          <a:fillRef idx="2">
+            <a:schemeClr val="accent5"/>
+          </a:fillRef>
+          <a:effectRef idx="1">
+            <a:schemeClr val="accent5"/>
+          </a:effectRef>
+          <a:fontRef idx="minor">
+            <a:schemeClr val="dk1"/>
+          </a:fontRef>
+        </p:style>
         <p:txBody>
-          <a:bodyPr vert="horz" lIns="91440" tIns="45720" rIns="91440" bIns="45720" rtlCol="0">
-            <a:normAutofit fontScale="92500" lnSpcReduction="10000"/>
+          <a:bodyPr vert="horz" lIns="91440" tIns="45720" rIns="91440" bIns="45720" rtlCol="0" anchor="ctr">
+            <a:normAutofit lnSpcReduction="10000"/>
           </a:bodyPr>
           <a:lstStyle/>
           <a:p>
-            <a:pPr marL="342900" marR="0" lvl="0" indent="-342900" algn="r" defTabSz="914400" rtl="0" eaLnBrk="1" fontAlgn="auto" latinLnBrk="0" hangingPunct="1">
+            <a:pPr marL="0" marR="0" lvl="0" indent="0" algn="ctr" defTabSz="914400" rtl="0" eaLnBrk="1" fontAlgn="auto" latinLnBrk="0" hangingPunct="1">
               <a:lnSpc>
                 <a:spcPct val="100000"/>
               </a:lnSpc>
               <a:spcBef>
-                <a:spcPct val="20000"/>
+                <a:spcPct val="0"/>
               </a:spcBef>
               <a:spcAft>
                 <a:spcPts val="0"/>
               </a:spcAft>
               <a:buClrTx/>
               <a:buSzTx/>
+              <a:buFontTx/>
+              <a:buNone/>
               <a:tabLst/>
               <a:defRPr/>
             </a:pPr>
             <a:r>
-              <a:rPr kumimoji="0" lang="en-US" sz="2200" b="0" i="0" u="none" strike="noStrike" kern="1200" cap="none" spc="0" normalizeH="0" baseline="0" noProof="0" dirty="0" err="1" smtClean="0">
-                <a:ln>
-                  <a:noFill/>
-                </a:ln>
+              <a:rPr lang="en-IN" sz="2500" dirty="0" smtClean="0">
                 <a:solidFill>
                   <a:schemeClr val="tx1"/>
                 </a:solidFill>
-                <a:effectLst/>
-                <a:uLnTx/>
-                <a:uFillTx/>
                 <a:latin typeface="Cambria" pitchFamily="18" charset="0"/>
-                <a:ea typeface="+mn-ea"/>
-                <a:cs typeface="+mn-cs"/>
+                <a:ea typeface="+mj-ea"/>
+                <a:cs typeface="+mj-cs"/>
               </a:rPr>
-              <a:t>Rajasekaran</a:t>
-            </a:r>
-            <a:r>
-              <a:rPr kumimoji="0" lang="en-US" sz="2200" b="0" i="0" u="none" strike="noStrike" kern="1200" cap="none" spc="0" normalizeH="0" baseline="0" noProof="0" dirty="0" smtClean="0">
-                <a:ln>
-                  <a:noFill/>
-                </a:ln>
-                <a:solidFill>
-                  <a:schemeClr val="tx1"/>
-                </a:solidFill>
-                <a:effectLst/>
-                <a:uLnTx/>
-                <a:uFillTx/>
-                <a:latin typeface="Cambria" pitchFamily="18" charset="0"/>
-                <a:ea typeface="+mn-ea"/>
-                <a:cs typeface="+mn-cs"/>
-              </a:rPr>
-              <a:t> S</a:t>
-            </a:r>
-          </a:p>
-          <a:p>
-            <a:pPr marL="342900" marR="0" lvl="0" indent="-342900" algn="r" defTabSz="914400" rtl="0" eaLnBrk="1" fontAlgn="auto" latinLnBrk="0" hangingPunct="1">
+              <a:t>Base</a:t>
+            </a:r>
+            <a:endParaRPr kumimoji="0" lang="en-US" sz="2500" b="0" i="0" u="none" strike="noStrike" kern="1200" cap="none" spc="0" normalizeH="0" baseline="0" noProof="0" dirty="0">
+              <a:ln>
+                <a:noFill/>
+              </a:ln>
+              <a:solidFill>
+                <a:schemeClr val="tx1"/>
+              </a:solidFill>
+              <a:effectLst/>
+              <a:uLnTx/>
+              <a:uFillTx/>
+              <a:latin typeface="Cambria" pitchFamily="18" charset="0"/>
+              <a:ea typeface="+mj-ea"/>
+              <a:cs typeface="+mj-cs"/>
+            </a:endParaRPr>
+          </a:p>
+        </p:txBody>
+      </p:sp>
+      <p:sp>
+        <p:nvSpPr>
+          <p:cNvPr id="7" name="Title 1"/>
+          <p:cNvSpPr txBox="1">
+            <a:spLocks/>
+          </p:cNvSpPr>
+          <p:nvPr/>
+        </p:nvSpPr>
+        <p:spPr>
+          <a:xfrm>
+            <a:off x="7010400" y="2438400"/>
+            <a:ext cx="1371600" cy="457200"/>
+          </a:xfrm>
+          <a:prstGeom prst="rect">
+            <a:avLst/>
+          </a:prstGeom>
+          <a:ln/>
+        </p:spPr>
+        <p:style>
+          <a:lnRef idx="1">
+            <a:schemeClr val="accent6"/>
+          </a:lnRef>
+          <a:fillRef idx="2">
+            <a:schemeClr val="accent6"/>
+          </a:fillRef>
+          <a:effectRef idx="1">
+            <a:schemeClr val="accent6"/>
+          </a:effectRef>
+          <a:fontRef idx="minor">
+            <a:schemeClr val="dk1"/>
+          </a:fontRef>
+        </p:style>
+        <p:txBody>
+          <a:bodyPr vert="horz" lIns="91440" tIns="45720" rIns="91440" bIns="45720" rtlCol="0" anchor="ctr">
+            <a:normAutofit lnSpcReduction="10000"/>
+          </a:bodyPr>
+          <a:lstStyle/>
+          <a:p>
+            <a:pPr marL="0" marR="0" lvl="0" indent="0" algn="ctr" defTabSz="914400" rtl="0" eaLnBrk="1" fontAlgn="auto" latinLnBrk="0" hangingPunct="1">
               <a:lnSpc>
                 <a:spcPct val="100000"/>
               </a:lnSpc>
               <a:spcBef>
-                <a:spcPct val="20000"/>
+                <a:spcPct val="0"/>
               </a:spcBef>
               <a:spcAft>
                 <a:spcPts val="0"/>
               </a:spcAft>
               <a:buClrTx/>
               <a:buSzTx/>
+              <a:buFontTx/>
+              <a:buNone/>
               <a:tabLst/>
               <a:defRPr/>
             </a:pPr>
             <a:r>
-              <a:rPr kumimoji="0" lang="en-US" sz="1600" b="0" i="0" u="none" strike="noStrike" kern="1200" cap="none" spc="0" normalizeH="0" baseline="0" noProof="0" dirty="0" smtClean="0">
-                <a:ln>
-                  <a:noFill/>
-                </a:ln>
+              <a:rPr lang="en-IN" sz="2500" dirty="0" smtClean="0">
                 <a:solidFill>
                   <a:schemeClr val="tx1"/>
                 </a:solidFill>
-                <a:effectLst/>
-                <a:uLnTx/>
-                <a:uFillTx/>
                 <a:latin typeface="Cambria" pitchFamily="18" charset="0"/>
-                <a:ea typeface="+mn-ea"/>
-                <a:cs typeface="+mn-cs"/>
+                <a:ea typeface="+mj-ea"/>
+                <a:cs typeface="+mj-cs"/>
               </a:rPr>
-              <a:t>Assistant Professor,</a:t>
-            </a:r>
-          </a:p>
-          <a:p>
-            <a:pPr marL="342900" marR="0" lvl="0" indent="-342900" algn="r" defTabSz="914400" rtl="0" eaLnBrk="1" fontAlgn="auto" latinLnBrk="0" hangingPunct="1">
-              <a:lnSpc>
-                <a:spcPct val="100000"/>
-              </a:lnSpc>
-              <a:spcBef>
-                <a:spcPct val="20000"/>
-              </a:spcBef>
-              <a:spcAft>
-                <a:spcPts val="0"/>
-              </a:spcAft>
-              <a:buClrTx/>
-              <a:buSzTx/>
-              <a:tabLst/>
-              <a:defRPr/>
-            </a:pPr>
-            <a:r>
-              <a:rPr kumimoji="0" lang="en-US" sz="1600" b="0" i="0" u="none" strike="noStrike" kern="1200" cap="none" spc="0" normalizeH="0" baseline="0" noProof="0" dirty="0" smtClean="0">
-                <a:ln>
-                  <a:noFill/>
-                </a:ln>
-                <a:solidFill>
-                  <a:schemeClr val="tx1"/>
-                </a:solidFill>
-                <a:effectLst/>
-                <a:uLnTx/>
-                <a:uFillTx/>
-                <a:latin typeface="Cambria" pitchFamily="18" charset="0"/>
-                <a:ea typeface="+mn-ea"/>
-                <a:cs typeface="+mn-cs"/>
-              </a:rPr>
-              <a:t>Department of Information Technology,</a:t>
-            </a:r>
-          </a:p>
-          <a:p>
-            <a:pPr marL="342900" marR="0" lvl="0" indent="-342900" algn="r" defTabSz="914400" rtl="0" eaLnBrk="1" fontAlgn="auto" latinLnBrk="0" hangingPunct="1">
-              <a:lnSpc>
-                <a:spcPct val="100000"/>
-              </a:lnSpc>
-              <a:spcBef>
-                <a:spcPct val="20000"/>
-              </a:spcBef>
-              <a:spcAft>
-                <a:spcPts val="0"/>
-              </a:spcAft>
-              <a:buClrTx/>
-              <a:buSzTx/>
-              <a:tabLst/>
-              <a:defRPr/>
-            </a:pPr>
-            <a:r>
-              <a:rPr kumimoji="0" lang="en-US" sz="1600" b="0" i="0" u="none" strike="noStrike" kern="1200" cap="none" spc="0" normalizeH="0" baseline="0" noProof="0" dirty="0" err="1" smtClean="0">
-                <a:ln>
-                  <a:noFill/>
-                </a:ln>
-                <a:solidFill>
-                  <a:schemeClr val="tx1"/>
-                </a:solidFill>
-                <a:effectLst/>
-                <a:uLnTx/>
-                <a:uFillTx/>
-                <a:latin typeface="Cambria" pitchFamily="18" charset="0"/>
-                <a:ea typeface="+mn-ea"/>
-                <a:cs typeface="+mn-cs"/>
-              </a:rPr>
-              <a:t>KGiSL</a:t>
-            </a:r>
-            <a:r>
-              <a:rPr kumimoji="0" lang="en-US" sz="1600" b="0" i="0" u="none" strike="noStrike" kern="1200" cap="none" spc="0" normalizeH="0" baseline="0" noProof="0" dirty="0" smtClean="0">
-                <a:ln>
-                  <a:noFill/>
-                </a:ln>
-                <a:solidFill>
-                  <a:schemeClr val="tx1"/>
-                </a:solidFill>
-                <a:effectLst/>
-                <a:uLnTx/>
-                <a:uFillTx/>
-                <a:latin typeface="Cambria" pitchFamily="18" charset="0"/>
-                <a:ea typeface="+mn-ea"/>
-                <a:cs typeface="+mn-cs"/>
-              </a:rPr>
-              <a:t> Institute of Technology,</a:t>
-            </a:r>
-          </a:p>
-          <a:p>
-            <a:pPr marL="342900" marR="0" lvl="0" indent="-342900" algn="r" defTabSz="914400" rtl="0" eaLnBrk="1" fontAlgn="auto" latinLnBrk="0" hangingPunct="1">
-              <a:lnSpc>
-                <a:spcPct val="100000"/>
-              </a:lnSpc>
-              <a:spcBef>
-                <a:spcPct val="20000"/>
-              </a:spcBef>
-              <a:spcAft>
-                <a:spcPts val="0"/>
-              </a:spcAft>
-              <a:buClrTx/>
-              <a:buSzTx/>
-              <a:tabLst/>
-              <a:defRPr/>
-            </a:pPr>
-            <a:r>
-              <a:rPr kumimoji="0" lang="en-US" sz="1600" b="0" i="0" u="none" strike="noStrike" kern="1200" cap="none" spc="0" normalizeH="0" baseline="0" noProof="0" dirty="0" smtClean="0">
-                <a:ln>
-                  <a:noFill/>
-                </a:ln>
-                <a:solidFill>
-                  <a:schemeClr val="tx1"/>
-                </a:solidFill>
-                <a:effectLst/>
-                <a:uLnTx/>
-                <a:uFillTx/>
-                <a:latin typeface="Cambria" pitchFamily="18" charset="0"/>
-                <a:ea typeface="+mn-ea"/>
-                <a:cs typeface="+mn-cs"/>
-              </a:rPr>
-              <a:t>email: </a:t>
-            </a:r>
-            <a:r>
-              <a:rPr kumimoji="0" lang="en-US" sz="1600" b="0" i="0" u="none" strike="noStrike" kern="1200" cap="none" spc="0" normalizeH="0" baseline="0" noProof="0" dirty="0" smtClean="0">
-                <a:ln>
-                  <a:noFill/>
-                </a:ln>
-                <a:solidFill>
-                  <a:schemeClr val="tx1"/>
-                </a:solidFill>
-                <a:effectLst/>
-                <a:uLnTx/>
-                <a:uFillTx/>
-                <a:latin typeface="Cambria" pitchFamily="18" charset="0"/>
-                <a:ea typeface="+mn-ea"/>
-                <a:cs typeface="+mn-cs"/>
-                <a:hlinkClick r:id="rId2"/>
-              </a:rPr>
-              <a:t>proffraja@gmail.com</a:t>
-            </a:r>
-            <a:endParaRPr lang="en-US" sz="1600" dirty="0" smtClean="0">
+              <a:t>Sub</a:t>
+            </a:r>
+            <a:endParaRPr kumimoji="0" lang="en-US" sz="2500" b="0" i="0" u="none" strike="noStrike" kern="1200" cap="none" spc="0" normalizeH="0" baseline="0" noProof="0" dirty="0">
+              <a:ln>
+                <a:noFill/>
+              </a:ln>
+              <a:solidFill>
+                <a:schemeClr val="tx1"/>
+              </a:solidFill>
+              <a:effectLst/>
+              <a:uLnTx/>
+              <a:uFillTx/>
               <a:latin typeface="Cambria" pitchFamily="18" charset="0"/>
+              <a:ea typeface="+mj-ea"/>
+              <a:cs typeface="+mj-cs"/>
             </a:endParaRPr>
           </a:p>
-          <a:p>
-            <a:pPr marL="342900" marR="0" lvl="0" indent="-342900" algn="r" defTabSz="914400" rtl="0" eaLnBrk="1" fontAlgn="auto" latinLnBrk="0" hangingPunct="1">
-              <a:lnSpc>
-                <a:spcPct val="100000"/>
-              </a:lnSpc>
-              <a:spcBef>
-                <a:spcPct val="20000"/>
-              </a:spcBef>
-              <a:spcAft>
-                <a:spcPts val="0"/>
-              </a:spcAft>
-              <a:buClrTx/>
-              <a:buSzTx/>
-              <a:tabLst/>
-              <a:defRPr/>
-            </a:pPr>
-            <a:r>
-              <a:rPr lang="en-US" sz="1600" dirty="0" err="1" smtClean="0">
-                <a:latin typeface="Cambria" pitchFamily="18" charset="0"/>
-              </a:rPr>
-              <a:t>Github:</a:t>
-            </a:r>
-            <a:r>
-              <a:rPr lang="en-US" sz="1600" dirty="0" err="1" smtClean="0">
-                <a:latin typeface="Cambria" pitchFamily="18" charset="0"/>
-                <a:hlinkClick r:id="rId3"/>
-              </a:rPr>
-              <a:t>www.github.com</a:t>
-            </a:r>
-            <a:r>
-              <a:rPr lang="en-US" sz="1600" dirty="0" smtClean="0">
-                <a:latin typeface="Cambria" pitchFamily="18" charset="0"/>
-                <a:hlinkClick r:id="rId3"/>
-              </a:rPr>
-              <a:t>/</a:t>
-            </a:r>
-            <a:r>
-              <a:rPr lang="en-US" sz="1600" dirty="0" err="1" smtClean="0">
-                <a:latin typeface="Cambria" pitchFamily="18" charset="0"/>
-                <a:hlinkClick r:id="rId3"/>
-              </a:rPr>
-              <a:t>rajasekaranap</a:t>
-            </a:r>
-            <a:endParaRPr lang="en-US" sz="1600" dirty="0" smtClean="0">
-              <a:latin typeface="Cambria" pitchFamily="18" charset="0"/>
-            </a:endParaRPr>
-          </a:p>
-          <a:p>
-            <a:pPr marL="342900" marR="0" lvl="0" indent="-342900" algn="r" defTabSz="914400" rtl="0" eaLnBrk="1" fontAlgn="auto" latinLnBrk="0" hangingPunct="1">
-              <a:lnSpc>
-                <a:spcPct val="100000"/>
-              </a:lnSpc>
-              <a:spcBef>
-                <a:spcPct val="20000"/>
-              </a:spcBef>
-              <a:spcAft>
-                <a:spcPts val="0"/>
-              </a:spcAft>
-              <a:buClrTx/>
-              <a:buSzTx/>
-              <a:tabLst/>
-              <a:defRPr/>
-            </a:pPr>
-            <a:endParaRPr lang="en-US" sz="1600" dirty="0" smtClean="0">
-              <a:latin typeface="Cambria" pitchFamily="18" charset="0"/>
-            </a:endParaRPr>
+        </p:txBody>
+      </p:sp>
+      <p:cxnSp>
+        <p:nvCxnSpPr>
+          <p:cNvPr id="8" name="Straight Arrow Connector 7"/>
+          <p:cNvCxnSpPr>
+            <a:stCxn id="6" idx="1"/>
+          </p:cNvCxnSpPr>
+          <p:nvPr/>
+        </p:nvCxnSpPr>
+        <p:spPr>
+          <a:xfrm rot="10800000" flipV="1">
+            <a:off x="3733800" y="1981200"/>
+            <a:ext cx="2362200" cy="381000"/>
+          </a:xfrm>
+          <a:prstGeom prst="straightConnector1">
+            <a:avLst/>
+          </a:prstGeom>
+          <a:ln>
+            <a:prstDash val="sysDash"/>
+            <a:tailEnd type="arrow"/>
+          </a:ln>
+        </p:spPr>
+        <p:style>
+          <a:lnRef idx="3">
+            <a:schemeClr val="accent6"/>
+          </a:lnRef>
+          <a:fillRef idx="0">
+            <a:schemeClr val="accent6"/>
+          </a:fillRef>
+          <a:effectRef idx="2">
+            <a:schemeClr val="accent6"/>
+          </a:effectRef>
+          <a:fontRef idx="minor">
+            <a:schemeClr val="tx1"/>
+          </a:fontRef>
+        </p:style>
+      </p:cxnSp>
+      <p:cxnSp>
+        <p:nvCxnSpPr>
+          <p:cNvPr id="11" name="Straight Arrow Connector 10"/>
+          <p:cNvCxnSpPr>
+            <a:stCxn id="7" idx="2"/>
+          </p:cNvCxnSpPr>
+          <p:nvPr/>
+        </p:nvCxnSpPr>
+        <p:spPr>
+          <a:xfrm rot="5400000">
+            <a:off x="6134100" y="1562100"/>
+            <a:ext cx="228600" cy="2895600"/>
+          </a:xfrm>
+          <a:prstGeom prst="straightConnector1">
+            <a:avLst/>
+          </a:prstGeom>
+          <a:ln>
+            <a:tailEnd type="arrow"/>
+          </a:ln>
+        </p:spPr>
+        <p:style>
+          <a:lnRef idx="2">
+            <a:schemeClr val="accent4"/>
+          </a:lnRef>
+          <a:fillRef idx="0">
+            <a:schemeClr val="accent4"/>
+          </a:fillRef>
+          <a:effectRef idx="1">
+            <a:schemeClr val="accent4"/>
+          </a:effectRef>
+          <a:fontRef idx="minor">
+            <a:schemeClr val="tx1"/>
+          </a:fontRef>
+        </p:style>
+      </p:cxnSp>
+      <p:cxnSp>
+        <p:nvCxnSpPr>
+          <p:cNvPr id="14" name="Straight Arrow Connector 13"/>
+          <p:cNvCxnSpPr>
+            <a:stCxn id="7" idx="2"/>
+          </p:cNvCxnSpPr>
+          <p:nvPr/>
+        </p:nvCxnSpPr>
+        <p:spPr>
+          <a:xfrm rot="5400000">
+            <a:off x="5867400" y="1981200"/>
+            <a:ext cx="914400" cy="2743200"/>
+          </a:xfrm>
+          <a:prstGeom prst="straightConnector1">
+            <a:avLst/>
+          </a:prstGeom>
+          <a:ln>
+            <a:tailEnd type="arrow"/>
+          </a:ln>
+        </p:spPr>
+        <p:style>
+          <a:lnRef idx="2">
+            <a:schemeClr val="accent4"/>
+          </a:lnRef>
+          <a:fillRef idx="0">
+            <a:schemeClr val="accent4"/>
+          </a:fillRef>
+          <a:effectRef idx="1">
+            <a:schemeClr val="accent4"/>
+          </a:effectRef>
+          <a:fontRef idx="minor">
+            <a:schemeClr val="tx1"/>
+          </a:fontRef>
+        </p:style>
+      </p:cxnSp>
+      <p:cxnSp>
+        <p:nvCxnSpPr>
+          <p:cNvPr id="17" name="Straight Arrow Connector 16"/>
+          <p:cNvCxnSpPr>
+            <a:stCxn id="7" idx="2"/>
+          </p:cNvCxnSpPr>
+          <p:nvPr/>
+        </p:nvCxnSpPr>
+        <p:spPr>
+          <a:xfrm rot="5400000">
+            <a:off x="6019800" y="2895600"/>
+            <a:ext cx="1676400" cy="1676400"/>
+          </a:xfrm>
+          <a:prstGeom prst="straightConnector1">
+            <a:avLst/>
+          </a:prstGeom>
+          <a:ln>
+            <a:tailEnd type="arrow"/>
+          </a:ln>
+        </p:spPr>
+        <p:style>
+          <a:lnRef idx="2">
+            <a:schemeClr val="accent4"/>
+          </a:lnRef>
+          <a:fillRef idx="0">
+            <a:schemeClr val="accent4"/>
+          </a:fillRef>
+          <a:effectRef idx="1">
+            <a:schemeClr val="accent4"/>
+          </a:effectRef>
+          <a:fontRef idx="minor">
+            <a:schemeClr val="tx1"/>
+          </a:fontRef>
+        </p:style>
+      </p:cxnSp>
+    </p:spTree>
+  </p:cSld>
+  <p:clrMapOvr>
+    <a:masterClrMapping/>
+  </p:clrMapOvr>
+</p:sld>
+</file>
+
+<file path=ppt/slides/slide29.xml><?xml version="1.0" encoding="utf-8"?>
+<p:sld xmlns:a="http://schemas.openxmlformats.org/drawingml/2006/main" xmlns:r="http://schemas.openxmlformats.org/officeDocument/2006/relationships" xmlns:p="http://schemas.openxmlformats.org/presentationml/2006/main">
+  <p:cSld>
+    <p:spTree>
+      <p:nvGrpSpPr>
+        <p:cNvPr id="1" name=""/>
+        <p:cNvGrpSpPr/>
+        <p:nvPr/>
+      </p:nvGrpSpPr>
+      <p:grpSpPr>
+        <a:xfrm>
+          <a:off x="0" y="0"/>
+          <a:ext cx="0" cy="0"/>
+          <a:chOff x="0" y="0"/>
+          <a:chExt cx="0" cy="0"/>
+        </a:xfrm>
+      </p:grpSpPr>
+      <p:sp>
+        <p:nvSpPr>
+          <p:cNvPr id="2" name="Title 1"/>
+          <p:cNvSpPr>
+            <a:spLocks noGrp="1"/>
+          </p:cNvSpPr>
+          <p:nvPr>
+            <p:ph type="title"/>
+          </p:nvPr>
+        </p:nvSpPr>
+        <p:spPr/>
+        <p:txBody>
+          <a:bodyPr/>
+          <a:lstStyle/>
+          <a:p>
+            <a:r>
+              <a:rPr lang="en-IN" dirty="0" smtClean="0"/>
+              <a:t>User Defined Exception</a:t>
+            </a:r>
+            <a:endParaRPr lang="en-US" dirty="0"/>
+          </a:p>
+        </p:txBody>
+      </p:sp>
+      <p:sp>
+        <p:nvSpPr>
+          <p:cNvPr id="3" name="Content Placeholder 2"/>
+          <p:cNvSpPr>
+            <a:spLocks noGrp="1"/>
+          </p:cNvSpPr>
+          <p:nvPr>
+            <p:ph idx="1"/>
+          </p:nvPr>
+        </p:nvSpPr>
+        <p:spPr/>
+        <p:txBody>
+          <a:bodyPr/>
+          <a:lstStyle/>
+          <a:p>
+            <a:r>
+              <a:rPr lang="en-IN" dirty="0" smtClean="0"/>
+              <a:t>User can create custom exception classes</a:t>
+            </a:r>
+          </a:p>
+          <a:p>
+            <a:pPr lvl="1"/>
+            <a:r>
+              <a:rPr lang="en-IN" dirty="0" smtClean="0"/>
+              <a:t>User defined class must extend from any one of exception classes.</a:t>
+            </a:r>
+          </a:p>
+          <a:p>
+            <a:pPr lvl="1"/>
+            <a:r>
+              <a:rPr lang="en-IN" dirty="0" smtClean="0"/>
+              <a:t>Constructor to be configured for getting message.</a:t>
+            </a:r>
+            <a:endParaRPr lang="en-US" dirty="0" smtClean="0"/>
+          </a:p>
+          <a:p>
+            <a:pPr lvl="1"/>
+            <a:r>
+              <a:rPr lang="en-IN" dirty="0" smtClean="0"/>
+              <a:t>User explicitly throws exception from try block.</a:t>
+            </a:r>
+          </a:p>
+          <a:p>
+            <a:pPr lvl="1"/>
+            <a:r>
+              <a:rPr lang="en-IN" dirty="0" smtClean="0"/>
+              <a:t>Catch block must handled user defined exception.</a:t>
+            </a:r>
           </a:p>
         </p:txBody>
       </p:sp>
@@ -14582,13 +15519,6 @@
   <p:clrMapOvr>
     <a:masterClrMapping/>
   </p:clrMapOvr>
-  <p:timing>
-    <p:tnLst>
-      <p:par>
-        <p:cTn id="1" dur="indefinite" restart="never" nodeType="tmRoot"/>
-      </p:par>
-    </p:tnLst>
-  </p:timing>
 </p:sld>
 </file>
 
@@ -15840,6 +16770,2230 @@
   <p:clrMapOvr>
     <a:masterClrMapping/>
   </p:clrMapOvr>
+</p:sld>
+</file>
+
+<file path=ppt/slides/slide30.xml><?xml version="1.0" encoding="utf-8"?>
+<p:sld xmlns:a="http://schemas.openxmlformats.org/drawingml/2006/main" xmlns:r="http://schemas.openxmlformats.org/officeDocument/2006/relationships" xmlns:p="http://schemas.openxmlformats.org/presentationml/2006/main">
+  <p:cSld>
+    <p:spTree>
+      <p:nvGrpSpPr>
+        <p:cNvPr id="1" name=""/>
+        <p:cNvGrpSpPr/>
+        <p:nvPr/>
+      </p:nvGrpSpPr>
+      <p:grpSpPr>
+        <a:xfrm>
+          <a:off x="0" y="0"/>
+          <a:ext cx="0" cy="0"/>
+          <a:chOff x="0" y="0"/>
+          <a:chExt cx="0" cy="0"/>
+        </a:xfrm>
+      </p:grpSpPr>
+      <p:pic>
+        <p:nvPicPr>
+          <p:cNvPr id="4098" name="Picture 2"/>
+          <p:cNvPicPr>
+            <a:picLocks noChangeAspect="1" noChangeArrowheads="1"/>
+          </p:cNvPicPr>
+          <p:nvPr/>
+        </p:nvPicPr>
+        <p:blipFill>
+          <a:blip r:embed="rId2"/>
+          <a:srcRect/>
+          <a:stretch>
+            <a:fillRect/>
+          </a:stretch>
+        </p:blipFill>
+        <p:spPr bwMode="auto">
+          <a:xfrm>
+            <a:off x="457200" y="609600"/>
+            <a:ext cx="8153400" cy="5666418"/>
+          </a:xfrm>
+          <a:prstGeom prst="rect">
+            <a:avLst/>
+          </a:prstGeom>
+          <a:noFill/>
+          <a:ln w="9525">
+            <a:noFill/>
+            <a:miter lim="800000"/>
+            <a:headEnd/>
+            <a:tailEnd/>
+          </a:ln>
+          <a:effectLst/>
+        </p:spPr>
+      </p:pic>
+      <p:sp>
+        <p:nvSpPr>
+          <p:cNvPr id="5" name="Title 1"/>
+          <p:cNvSpPr txBox="1">
+            <a:spLocks/>
+          </p:cNvSpPr>
+          <p:nvPr/>
+        </p:nvSpPr>
+        <p:spPr>
+          <a:xfrm>
+            <a:off x="7620000" y="762000"/>
+            <a:ext cx="990600" cy="381000"/>
+          </a:xfrm>
+          <a:prstGeom prst="rect">
+            <a:avLst/>
+          </a:prstGeom>
+          <a:ln/>
+        </p:spPr>
+        <p:style>
+          <a:lnRef idx="1">
+            <a:schemeClr val="accent5"/>
+          </a:lnRef>
+          <a:fillRef idx="2">
+            <a:schemeClr val="accent5"/>
+          </a:fillRef>
+          <a:effectRef idx="1">
+            <a:schemeClr val="accent5"/>
+          </a:effectRef>
+          <a:fontRef idx="minor">
+            <a:schemeClr val="dk1"/>
+          </a:fontRef>
+        </p:style>
+        <p:txBody>
+          <a:bodyPr vert="horz" lIns="91440" tIns="45720" rIns="91440" bIns="45720" rtlCol="0" anchor="ctr">
+            <a:noAutofit/>
+          </a:bodyPr>
+          <a:lstStyle/>
+          <a:p>
+            <a:pPr marL="0" marR="0" lvl="0" indent="0" algn="ctr" defTabSz="914400" rtl="0" eaLnBrk="1" fontAlgn="auto" latinLnBrk="0" hangingPunct="1">
+              <a:lnSpc>
+                <a:spcPct val="100000"/>
+              </a:lnSpc>
+              <a:spcBef>
+                <a:spcPct val="0"/>
+              </a:spcBef>
+              <a:spcAft>
+                <a:spcPts val="0"/>
+              </a:spcAft>
+              <a:buClrTx/>
+              <a:buSzTx/>
+              <a:buFontTx/>
+              <a:buNone/>
+              <a:tabLst/>
+              <a:defRPr/>
+            </a:pPr>
+            <a:r>
+              <a:rPr lang="en-IN" sz="2000" dirty="0" smtClean="0">
+                <a:solidFill>
+                  <a:schemeClr val="tx1"/>
+                </a:solidFill>
+                <a:latin typeface="Cambria" pitchFamily="18" charset="0"/>
+                <a:ea typeface="+mj-ea"/>
+                <a:cs typeface="+mj-cs"/>
+              </a:rPr>
+              <a:t>Step 1</a:t>
+            </a:r>
+            <a:endParaRPr kumimoji="0" lang="en-US" sz="2000" b="0" i="0" u="none" strike="noStrike" kern="1200" cap="none" spc="0" normalizeH="0" baseline="0" noProof="0" dirty="0">
+              <a:ln>
+                <a:noFill/>
+              </a:ln>
+              <a:solidFill>
+                <a:schemeClr val="tx1"/>
+              </a:solidFill>
+              <a:effectLst/>
+              <a:uLnTx/>
+              <a:uFillTx/>
+              <a:latin typeface="Cambria" pitchFamily="18" charset="0"/>
+              <a:ea typeface="+mj-ea"/>
+              <a:cs typeface="+mj-cs"/>
+            </a:endParaRPr>
+          </a:p>
+        </p:txBody>
+      </p:sp>
+      <p:sp>
+        <p:nvSpPr>
+          <p:cNvPr id="6" name="Title 1"/>
+          <p:cNvSpPr txBox="1">
+            <a:spLocks/>
+          </p:cNvSpPr>
+          <p:nvPr/>
+        </p:nvSpPr>
+        <p:spPr>
+          <a:xfrm>
+            <a:off x="7620000" y="4876800"/>
+            <a:ext cx="990600" cy="381000"/>
+          </a:xfrm>
+          <a:prstGeom prst="rect">
+            <a:avLst/>
+          </a:prstGeom>
+          <a:ln/>
+        </p:spPr>
+        <p:style>
+          <a:lnRef idx="1">
+            <a:schemeClr val="accent5"/>
+          </a:lnRef>
+          <a:fillRef idx="2">
+            <a:schemeClr val="accent5"/>
+          </a:fillRef>
+          <a:effectRef idx="1">
+            <a:schemeClr val="accent5"/>
+          </a:effectRef>
+          <a:fontRef idx="minor">
+            <a:schemeClr val="dk1"/>
+          </a:fontRef>
+        </p:style>
+        <p:txBody>
+          <a:bodyPr vert="horz" lIns="91440" tIns="45720" rIns="91440" bIns="45720" rtlCol="0" anchor="ctr">
+            <a:noAutofit/>
+          </a:bodyPr>
+          <a:lstStyle/>
+          <a:p>
+            <a:pPr marL="0" marR="0" lvl="0" indent="0" algn="ctr" defTabSz="914400" rtl="0" eaLnBrk="1" fontAlgn="auto" latinLnBrk="0" hangingPunct="1">
+              <a:lnSpc>
+                <a:spcPct val="100000"/>
+              </a:lnSpc>
+              <a:spcBef>
+                <a:spcPct val="0"/>
+              </a:spcBef>
+              <a:spcAft>
+                <a:spcPts val="0"/>
+              </a:spcAft>
+              <a:buClrTx/>
+              <a:buSzTx/>
+              <a:buFontTx/>
+              <a:buNone/>
+              <a:tabLst/>
+              <a:defRPr/>
+            </a:pPr>
+            <a:r>
+              <a:rPr lang="en-IN" sz="2000" dirty="0" smtClean="0">
+                <a:solidFill>
+                  <a:schemeClr val="tx1"/>
+                </a:solidFill>
+                <a:latin typeface="Cambria" pitchFamily="18" charset="0"/>
+                <a:ea typeface="+mj-ea"/>
+                <a:cs typeface="+mj-cs"/>
+              </a:rPr>
+              <a:t>Step 3</a:t>
+            </a:r>
+            <a:endParaRPr kumimoji="0" lang="en-US" sz="2000" b="0" i="0" u="none" strike="noStrike" kern="1200" cap="none" spc="0" normalizeH="0" baseline="0" noProof="0" dirty="0">
+              <a:ln>
+                <a:noFill/>
+              </a:ln>
+              <a:solidFill>
+                <a:schemeClr val="tx1"/>
+              </a:solidFill>
+              <a:effectLst/>
+              <a:uLnTx/>
+              <a:uFillTx/>
+              <a:latin typeface="Cambria" pitchFamily="18" charset="0"/>
+              <a:ea typeface="+mj-ea"/>
+              <a:cs typeface="+mj-cs"/>
+            </a:endParaRPr>
+          </a:p>
+        </p:txBody>
+      </p:sp>
+      <p:sp>
+        <p:nvSpPr>
+          <p:cNvPr id="7" name="Title 1"/>
+          <p:cNvSpPr txBox="1">
+            <a:spLocks/>
+          </p:cNvSpPr>
+          <p:nvPr/>
+        </p:nvSpPr>
+        <p:spPr>
+          <a:xfrm>
+            <a:off x="7620000" y="1371600"/>
+            <a:ext cx="990600" cy="381000"/>
+          </a:xfrm>
+          <a:prstGeom prst="rect">
+            <a:avLst/>
+          </a:prstGeom>
+          <a:ln/>
+        </p:spPr>
+        <p:style>
+          <a:lnRef idx="1">
+            <a:schemeClr val="accent5"/>
+          </a:lnRef>
+          <a:fillRef idx="2">
+            <a:schemeClr val="accent5"/>
+          </a:fillRef>
+          <a:effectRef idx="1">
+            <a:schemeClr val="accent5"/>
+          </a:effectRef>
+          <a:fontRef idx="minor">
+            <a:schemeClr val="dk1"/>
+          </a:fontRef>
+        </p:style>
+        <p:txBody>
+          <a:bodyPr vert="horz" lIns="91440" tIns="45720" rIns="91440" bIns="45720" rtlCol="0" anchor="ctr">
+            <a:noAutofit/>
+          </a:bodyPr>
+          <a:lstStyle/>
+          <a:p>
+            <a:pPr marL="0" marR="0" lvl="0" indent="0" algn="ctr" defTabSz="914400" rtl="0" eaLnBrk="1" fontAlgn="auto" latinLnBrk="0" hangingPunct="1">
+              <a:lnSpc>
+                <a:spcPct val="100000"/>
+              </a:lnSpc>
+              <a:spcBef>
+                <a:spcPct val="0"/>
+              </a:spcBef>
+              <a:spcAft>
+                <a:spcPts val="0"/>
+              </a:spcAft>
+              <a:buClrTx/>
+              <a:buSzTx/>
+              <a:buFontTx/>
+              <a:buNone/>
+              <a:tabLst/>
+              <a:defRPr/>
+            </a:pPr>
+            <a:r>
+              <a:rPr lang="en-IN" sz="2000" dirty="0" smtClean="0">
+                <a:solidFill>
+                  <a:schemeClr val="tx1"/>
+                </a:solidFill>
+                <a:latin typeface="Cambria" pitchFamily="18" charset="0"/>
+                <a:ea typeface="+mj-ea"/>
+                <a:cs typeface="+mj-cs"/>
+              </a:rPr>
+              <a:t>Step 2</a:t>
+            </a:r>
+            <a:endParaRPr kumimoji="0" lang="en-US" sz="2000" b="0" i="0" u="none" strike="noStrike" kern="1200" cap="none" spc="0" normalizeH="0" baseline="0" noProof="0" dirty="0">
+              <a:ln>
+                <a:noFill/>
+              </a:ln>
+              <a:solidFill>
+                <a:schemeClr val="tx1"/>
+              </a:solidFill>
+              <a:effectLst/>
+              <a:uLnTx/>
+              <a:uFillTx/>
+              <a:latin typeface="Cambria" pitchFamily="18" charset="0"/>
+              <a:ea typeface="+mj-ea"/>
+              <a:cs typeface="+mj-cs"/>
+            </a:endParaRPr>
+          </a:p>
+        </p:txBody>
+      </p:sp>
+      <p:sp>
+        <p:nvSpPr>
+          <p:cNvPr id="8" name="Title 1"/>
+          <p:cNvSpPr txBox="1">
+            <a:spLocks/>
+          </p:cNvSpPr>
+          <p:nvPr/>
+        </p:nvSpPr>
+        <p:spPr>
+          <a:xfrm>
+            <a:off x="7620000" y="5943600"/>
+            <a:ext cx="990600" cy="381000"/>
+          </a:xfrm>
+          <a:prstGeom prst="rect">
+            <a:avLst/>
+          </a:prstGeom>
+          <a:ln/>
+        </p:spPr>
+        <p:style>
+          <a:lnRef idx="1">
+            <a:schemeClr val="accent5"/>
+          </a:lnRef>
+          <a:fillRef idx="2">
+            <a:schemeClr val="accent5"/>
+          </a:fillRef>
+          <a:effectRef idx="1">
+            <a:schemeClr val="accent5"/>
+          </a:effectRef>
+          <a:fontRef idx="minor">
+            <a:schemeClr val="dk1"/>
+          </a:fontRef>
+        </p:style>
+        <p:txBody>
+          <a:bodyPr vert="horz" lIns="91440" tIns="45720" rIns="91440" bIns="45720" rtlCol="0" anchor="ctr">
+            <a:noAutofit/>
+          </a:bodyPr>
+          <a:lstStyle/>
+          <a:p>
+            <a:pPr marL="0" marR="0" lvl="0" indent="0" algn="ctr" defTabSz="914400" rtl="0" eaLnBrk="1" fontAlgn="auto" latinLnBrk="0" hangingPunct="1">
+              <a:lnSpc>
+                <a:spcPct val="100000"/>
+              </a:lnSpc>
+              <a:spcBef>
+                <a:spcPct val="0"/>
+              </a:spcBef>
+              <a:spcAft>
+                <a:spcPts val="0"/>
+              </a:spcAft>
+              <a:buClrTx/>
+              <a:buSzTx/>
+              <a:buFontTx/>
+              <a:buNone/>
+              <a:tabLst/>
+              <a:defRPr/>
+            </a:pPr>
+            <a:r>
+              <a:rPr lang="en-IN" sz="2000" dirty="0" smtClean="0">
+                <a:solidFill>
+                  <a:schemeClr val="tx1"/>
+                </a:solidFill>
+                <a:latin typeface="Cambria" pitchFamily="18" charset="0"/>
+                <a:ea typeface="+mj-ea"/>
+                <a:cs typeface="+mj-cs"/>
+              </a:rPr>
+              <a:t>Step 4</a:t>
+            </a:r>
+            <a:endParaRPr kumimoji="0" lang="en-US" sz="2000" b="0" i="0" u="none" strike="noStrike" kern="1200" cap="none" spc="0" normalizeH="0" baseline="0" noProof="0" dirty="0">
+              <a:ln>
+                <a:noFill/>
+              </a:ln>
+              <a:solidFill>
+                <a:schemeClr val="tx1"/>
+              </a:solidFill>
+              <a:effectLst/>
+              <a:uLnTx/>
+              <a:uFillTx/>
+              <a:latin typeface="Cambria" pitchFamily="18" charset="0"/>
+              <a:ea typeface="+mj-ea"/>
+              <a:cs typeface="+mj-cs"/>
+            </a:endParaRPr>
+          </a:p>
+        </p:txBody>
+      </p:sp>
+      <p:cxnSp>
+        <p:nvCxnSpPr>
+          <p:cNvPr id="9" name="Straight Arrow Connector 8"/>
+          <p:cNvCxnSpPr>
+            <a:stCxn id="5" idx="1"/>
+          </p:cNvCxnSpPr>
+          <p:nvPr/>
+        </p:nvCxnSpPr>
+        <p:spPr>
+          <a:xfrm rot="10800000">
+            <a:off x="5334000" y="762000"/>
+            <a:ext cx="2286000" cy="190500"/>
+          </a:xfrm>
+          <a:prstGeom prst="straightConnector1">
+            <a:avLst/>
+          </a:prstGeom>
+          <a:ln>
+            <a:tailEnd type="arrow"/>
+          </a:ln>
+        </p:spPr>
+        <p:style>
+          <a:lnRef idx="2">
+            <a:schemeClr val="accent4"/>
+          </a:lnRef>
+          <a:fillRef idx="0">
+            <a:schemeClr val="accent4"/>
+          </a:fillRef>
+          <a:effectRef idx="1">
+            <a:schemeClr val="accent4"/>
+          </a:effectRef>
+          <a:fontRef idx="minor">
+            <a:schemeClr val="tx1"/>
+          </a:fontRef>
+        </p:style>
+      </p:cxnSp>
+      <p:cxnSp>
+        <p:nvCxnSpPr>
+          <p:cNvPr id="12" name="Straight Arrow Connector 11"/>
+          <p:cNvCxnSpPr>
+            <a:stCxn id="7" idx="1"/>
+          </p:cNvCxnSpPr>
+          <p:nvPr/>
+        </p:nvCxnSpPr>
+        <p:spPr>
+          <a:xfrm rot="10800000">
+            <a:off x="2819400" y="1143000"/>
+            <a:ext cx="4800600" cy="419100"/>
+          </a:xfrm>
+          <a:prstGeom prst="straightConnector1">
+            <a:avLst/>
+          </a:prstGeom>
+          <a:ln>
+            <a:tailEnd type="arrow"/>
+          </a:ln>
+        </p:spPr>
+        <p:style>
+          <a:lnRef idx="2">
+            <a:schemeClr val="accent4"/>
+          </a:lnRef>
+          <a:fillRef idx="0">
+            <a:schemeClr val="accent4"/>
+          </a:fillRef>
+          <a:effectRef idx="1">
+            <a:schemeClr val="accent4"/>
+          </a:effectRef>
+          <a:fontRef idx="minor">
+            <a:schemeClr val="tx1"/>
+          </a:fontRef>
+        </p:style>
+      </p:cxnSp>
+      <p:cxnSp>
+        <p:nvCxnSpPr>
+          <p:cNvPr id="15" name="Straight Arrow Connector 14"/>
+          <p:cNvCxnSpPr>
+            <a:stCxn id="6" idx="1"/>
+          </p:cNvCxnSpPr>
+          <p:nvPr/>
+        </p:nvCxnSpPr>
+        <p:spPr>
+          <a:xfrm rot="10800000">
+            <a:off x="6096000" y="4724400"/>
+            <a:ext cx="1524000" cy="342900"/>
+          </a:xfrm>
+          <a:prstGeom prst="straightConnector1">
+            <a:avLst/>
+          </a:prstGeom>
+          <a:ln>
+            <a:tailEnd type="arrow"/>
+          </a:ln>
+        </p:spPr>
+        <p:style>
+          <a:lnRef idx="2">
+            <a:schemeClr val="accent4"/>
+          </a:lnRef>
+          <a:fillRef idx="0">
+            <a:schemeClr val="accent4"/>
+          </a:fillRef>
+          <a:effectRef idx="1">
+            <a:schemeClr val="accent4"/>
+          </a:effectRef>
+          <a:fontRef idx="minor">
+            <a:schemeClr val="tx1"/>
+          </a:fontRef>
+        </p:style>
+      </p:cxnSp>
+      <p:cxnSp>
+        <p:nvCxnSpPr>
+          <p:cNvPr id="18" name="Straight Arrow Connector 17"/>
+          <p:cNvCxnSpPr>
+            <a:stCxn id="8" idx="1"/>
+          </p:cNvCxnSpPr>
+          <p:nvPr/>
+        </p:nvCxnSpPr>
+        <p:spPr>
+          <a:xfrm rot="10800000">
+            <a:off x="4419600" y="5410200"/>
+            <a:ext cx="3200400" cy="723900"/>
+          </a:xfrm>
+          <a:prstGeom prst="straightConnector1">
+            <a:avLst/>
+          </a:prstGeom>
+          <a:ln>
+            <a:tailEnd type="arrow"/>
+          </a:ln>
+        </p:spPr>
+        <p:style>
+          <a:lnRef idx="2">
+            <a:schemeClr val="accent4"/>
+          </a:lnRef>
+          <a:fillRef idx="0">
+            <a:schemeClr val="accent4"/>
+          </a:fillRef>
+          <a:effectRef idx="1">
+            <a:schemeClr val="accent4"/>
+          </a:effectRef>
+          <a:fontRef idx="minor">
+            <a:schemeClr val="tx1"/>
+          </a:fontRef>
+        </p:style>
+      </p:cxnSp>
+    </p:spTree>
+  </p:cSld>
+  <p:clrMapOvr>
+    <a:masterClrMapping/>
+  </p:clrMapOvr>
+</p:sld>
+</file>
+
+<file path=ppt/slides/slide31.xml><?xml version="1.0" encoding="utf-8"?>
+<p:sld xmlns:a="http://schemas.openxmlformats.org/drawingml/2006/main" xmlns:r="http://schemas.openxmlformats.org/officeDocument/2006/relationships" xmlns:p="http://schemas.openxmlformats.org/presentationml/2006/main">
+  <p:cSld>
+    <p:spTree>
+      <p:nvGrpSpPr>
+        <p:cNvPr id="1" name=""/>
+        <p:cNvGrpSpPr/>
+        <p:nvPr/>
+      </p:nvGrpSpPr>
+      <p:grpSpPr>
+        <a:xfrm>
+          <a:off x="0" y="0"/>
+          <a:ext cx="0" cy="0"/>
+          <a:chOff x="0" y="0"/>
+          <a:chExt cx="0" cy="0"/>
+        </a:xfrm>
+      </p:grpSpPr>
+      <p:sp>
+        <p:nvSpPr>
+          <p:cNvPr id="2" name="Title 1"/>
+          <p:cNvSpPr>
+            <a:spLocks noGrp="1"/>
+          </p:cNvSpPr>
+          <p:nvPr>
+            <p:ph type="title"/>
+          </p:nvPr>
+        </p:nvSpPr>
+        <p:spPr/>
+        <p:txBody>
+          <a:bodyPr/>
+          <a:lstStyle/>
+          <a:p>
+            <a:r>
+              <a:rPr lang="en-IN" dirty="0" smtClean="0"/>
+              <a:t>Output</a:t>
+            </a:r>
+            <a:endParaRPr lang="en-US" dirty="0"/>
+          </a:p>
+        </p:txBody>
+      </p:sp>
+      <p:pic>
+        <p:nvPicPr>
+          <p:cNvPr id="5122" name="Picture 2"/>
+          <p:cNvPicPr>
+            <a:picLocks noChangeAspect="1" noChangeArrowheads="1"/>
+          </p:cNvPicPr>
+          <p:nvPr/>
+        </p:nvPicPr>
+        <p:blipFill>
+          <a:blip r:embed="rId2"/>
+          <a:srcRect/>
+          <a:stretch>
+            <a:fillRect/>
+          </a:stretch>
+        </p:blipFill>
+        <p:spPr bwMode="auto">
+          <a:xfrm>
+            <a:off x="1066799" y="2133600"/>
+            <a:ext cx="5750169" cy="3429000"/>
+          </a:xfrm>
+          <a:prstGeom prst="rect">
+            <a:avLst/>
+          </a:prstGeom>
+          <a:noFill/>
+          <a:ln w="9525">
+            <a:noFill/>
+            <a:miter lim="800000"/>
+            <a:headEnd/>
+            <a:tailEnd/>
+          </a:ln>
+          <a:effectLst/>
+        </p:spPr>
+      </p:pic>
+    </p:spTree>
+  </p:cSld>
+  <p:clrMapOvr>
+    <a:masterClrMapping/>
+  </p:clrMapOvr>
+</p:sld>
+</file>
+
+<file path=ppt/slides/slide32.xml><?xml version="1.0" encoding="utf-8"?>
+<p:sld xmlns:a="http://schemas.openxmlformats.org/drawingml/2006/main" xmlns:r="http://schemas.openxmlformats.org/officeDocument/2006/relationships" xmlns:p="http://schemas.openxmlformats.org/presentationml/2006/main">
+  <p:cSld>
+    <p:spTree>
+      <p:nvGrpSpPr>
+        <p:cNvPr id="1" name=""/>
+        <p:cNvGrpSpPr/>
+        <p:nvPr/>
+      </p:nvGrpSpPr>
+      <p:grpSpPr>
+        <a:xfrm>
+          <a:off x="0" y="0"/>
+          <a:ext cx="0" cy="0"/>
+          <a:chOff x="0" y="0"/>
+          <a:chExt cx="0" cy="0"/>
+        </a:xfrm>
+      </p:grpSpPr>
+      <p:sp>
+        <p:nvSpPr>
+          <p:cNvPr id="2" name="Title 1"/>
+          <p:cNvSpPr>
+            <a:spLocks noGrp="1"/>
+          </p:cNvSpPr>
+          <p:nvPr>
+            <p:ph type="title"/>
+          </p:nvPr>
+        </p:nvSpPr>
+        <p:spPr/>
+        <p:txBody>
+          <a:bodyPr/>
+          <a:lstStyle/>
+          <a:p>
+            <a:r>
+              <a:rPr lang="en-IN" dirty="0" smtClean="0"/>
+              <a:t>Stack Trace Elements</a:t>
+            </a:r>
+            <a:endParaRPr lang="en-US" dirty="0"/>
+          </a:p>
+        </p:txBody>
+      </p:sp>
+      <p:sp>
+        <p:nvSpPr>
+          <p:cNvPr id="3" name="Content Placeholder 2"/>
+          <p:cNvSpPr>
+            <a:spLocks noGrp="1"/>
+          </p:cNvSpPr>
+          <p:nvPr>
+            <p:ph idx="1"/>
+          </p:nvPr>
+        </p:nvSpPr>
+        <p:spPr/>
+        <p:txBody>
+          <a:bodyPr>
+            <a:normAutofit fontScale="92500" lnSpcReduction="20000"/>
+          </a:bodyPr>
+          <a:lstStyle/>
+          <a:p>
+            <a:r>
+              <a:rPr lang="en-IN" dirty="0" smtClean="0"/>
+              <a:t>It is a class comes from </a:t>
+            </a:r>
+            <a:r>
+              <a:rPr lang="en-IN" dirty="0" err="1" smtClean="0"/>
+              <a:t>java.lang.StackTraceElement</a:t>
+            </a:r>
+            <a:endParaRPr lang="en-IN" dirty="0" smtClean="0"/>
+          </a:p>
+          <a:p>
+            <a:r>
+              <a:rPr lang="en-IN" dirty="0" smtClean="0"/>
+              <a:t>It can hold one stack frame</a:t>
+            </a:r>
+          </a:p>
+          <a:p>
+            <a:pPr lvl="1"/>
+            <a:r>
+              <a:rPr lang="en-IN" dirty="0" smtClean="0"/>
+              <a:t>A single stack frame consist of</a:t>
+            </a:r>
+          </a:p>
+          <a:p>
+            <a:pPr lvl="1"/>
+            <a:r>
+              <a:rPr lang="en-US" dirty="0" smtClean="0"/>
+              <a:t>Local variables</a:t>
+            </a:r>
+          </a:p>
+          <a:p>
+            <a:pPr lvl="1"/>
+            <a:r>
+              <a:rPr lang="en-US" dirty="0" smtClean="0"/>
+              <a:t>Saved copies of registers modified by subprograms that could need restoration</a:t>
+            </a:r>
+          </a:p>
+          <a:p>
+            <a:pPr lvl="1"/>
+            <a:r>
+              <a:rPr lang="en-US" dirty="0" smtClean="0"/>
+              <a:t>Argument parameters</a:t>
+            </a:r>
+          </a:p>
+          <a:p>
+            <a:pPr lvl="1"/>
+            <a:r>
+              <a:rPr lang="en-US" dirty="0" smtClean="0"/>
+              <a:t>Return </a:t>
+            </a:r>
+            <a:r>
+              <a:rPr lang="en-US" dirty="0" smtClean="0"/>
+              <a:t>address</a:t>
+            </a:r>
+          </a:p>
+          <a:p>
+            <a:r>
+              <a:rPr lang="en-IN" dirty="0" smtClean="0"/>
+              <a:t>It collects the stack frame details at execution point using </a:t>
+            </a:r>
+            <a:r>
+              <a:rPr lang="en-IN" dirty="0" err="1" smtClean="0"/>
+              <a:t>getStackTrace</a:t>
+            </a:r>
+            <a:r>
+              <a:rPr lang="en-IN" dirty="0" smtClean="0"/>
+              <a:t>() methods.</a:t>
+            </a:r>
+            <a:endParaRPr lang="en-US" dirty="0" smtClean="0"/>
+          </a:p>
+          <a:p>
+            <a:pPr lvl="1"/>
+            <a:endParaRPr lang="en-US" dirty="0" smtClean="0"/>
+          </a:p>
+        </p:txBody>
+      </p:sp>
+    </p:spTree>
+  </p:cSld>
+  <p:clrMapOvr>
+    <a:masterClrMapping/>
+  </p:clrMapOvr>
+</p:sld>
+</file>
+
+<file path=ppt/slides/slide33.xml><?xml version="1.0" encoding="utf-8"?>
+<p:sld xmlns:a="http://schemas.openxmlformats.org/drawingml/2006/main" xmlns:r="http://schemas.openxmlformats.org/officeDocument/2006/relationships" xmlns:p="http://schemas.openxmlformats.org/presentationml/2006/main">
+  <p:cSld>
+    <p:spTree>
+      <p:nvGrpSpPr>
+        <p:cNvPr id="1" name=""/>
+        <p:cNvGrpSpPr/>
+        <p:nvPr/>
+      </p:nvGrpSpPr>
+      <p:grpSpPr>
+        <a:xfrm>
+          <a:off x="0" y="0"/>
+          <a:ext cx="0" cy="0"/>
+          <a:chOff x="0" y="0"/>
+          <a:chExt cx="0" cy="0"/>
+        </a:xfrm>
+      </p:grpSpPr>
+      <p:pic>
+        <p:nvPicPr>
+          <p:cNvPr id="6146" name="Picture 2"/>
+          <p:cNvPicPr>
+            <a:picLocks noChangeAspect="1" noChangeArrowheads="1"/>
+          </p:cNvPicPr>
+          <p:nvPr/>
+        </p:nvPicPr>
+        <p:blipFill>
+          <a:blip r:embed="rId2"/>
+          <a:srcRect/>
+          <a:stretch>
+            <a:fillRect/>
+          </a:stretch>
+        </p:blipFill>
+        <p:spPr bwMode="auto">
+          <a:xfrm>
+            <a:off x="533400" y="1600200"/>
+            <a:ext cx="6048375" cy="4191000"/>
+          </a:xfrm>
+          <a:prstGeom prst="rect">
+            <a:avLst/>
+          </a:prstGeom>
+          <a:noFill/>
+          <a:ln w="9525">
+            <a:noFill/>
+            <a:miter lim="800000"/>
+            <a:headEnd/>
+            <a:tailEnd/>
+          </a:ln>
+          <a:effectLst/>
+        </p:spPr>
+      </p:pic>
+      <p:sp>
+        <p:nvSpPr>
+          <p:cNvPr id="7" name="Title 1"/>
+          <p:cNvSpPr txBox="1">
+            <a:spLocks/>
+          </p:cNvSpPr>
+          <p:nvPr/>
+        </p:nvSpPr>
+        <p:spPr>
+          <a:xfrm>
+            <a:off x="6019800" y="1905000"/>
+            <a:ext cx="2819400" cy="3048000"/>
+          </a:xfrm>
+          <a:prstGeom prst="rect">
+            <a:avLst/>
+          </a:prstGeom>
+          <a:solidFill>
+            <a:schemeClr val="lt1">
+              <a:alpha val="0"/>
+            </a:schemeClr>
+          </a:solidFill>
+          <a:ln/>
+        </p:spPr>
+        <p:style>
+          <a:lnRef idx="2">
+            <a:schemeClr val="accent6"/>
+          </a:lnRef>
+          <a:fillRef idx="1">
+            <a:schemeClr val="lt1"/>
+          </a:fillRef>
+          <a:effectRef idx="0">
+            <a:schemeClr val="accent6"/>
+          </a:effectRef>
+          <a:fontRef idx="minor">
+            <a:schemeClr val="dk1"/>
+          </a:fontRef>
+        </p:style>
+        <p:txBody>
+          <a:bodyPr vert="horz" lIns="91440" tIns="45720" rIns="91440" bIns="45720" rtlCol="0" anchor="t">
+            <a:noAutofit/>
+          </a:bodyPr>
+          <a:lstStyle/>
+          <a:p>
+            <a:pPr marL="0" marR="0" lvl="0" indent="0" algn="ctr" defTabSz="914400" rtl="0" eaLnBrk="1" fontAlgn="auto" latinLnBrk="0" hangingPunct="1">
+              <a:lnSpc>
+                <a:spcPct val="100000"/>
+              </a:lnSpc>
+              <a:spcBef>
+                <a:spcPct val="0"/>
+              </a:spcBef>
+              <a:spcAft>
+                <a:spcPts val="0"/>
+              </a:spcAft>
+              <a:buClrTx/>
+              <a:buSzTx/>
+              <a:buFontTx/>
+              <a:buNone/>
+              <a:tabLst/>
+              <a:defRPr/>
+            </a:pPr>
+            <a:r>
+              <a:rPr lang="en-IN" sz="2000" b="1" dirty="0" smtClean="0">
+                <a:solidFill>
+                  <a:schemeClr val="tx1"/>
+                </a:solidFill>
+                <a:latin typeface="Cambria" pitchFamily="18" charset="0"/>
+                <a:ea typeface="+mj-ea"/>
+                <a:cs typeface="+mj-cs"/>
+              </a:rPr>
+              <a:t>Full </a:t>
+            </a:r>
+            <a:r>
+              <a:rPr lang="en-IN" sz="2000" b="1" dirty="0" err="1" smtClean="0">
+                <a:solidFill>
+                  <a:schemeClr val="tx1"/>
+                </a:solidFill>
+                <a:latin typeface="Cambria" pitchFamily="18" charset="0"/>
+                <a:ea typeface="+mj-ea"/>
+                <a:cs typeface="+mj-cs"/>
+              </a:rPr>
+              <a:t>Satck</a:t>
+            </a:r>
+            <a:endParaRPr kumimoji="0" lang="en-US" sz="2000" b="1" i="0" u="none" strike="noStrike" kern="1200" cap="none" spc="0" normalizeH="0" baseline="0" noProof="0" dirty="0">
+              <a:ln>
+                <a:noFill/>
+              </a:ln>
+              <a:solidFill>
+                <a:schemeClr val="tx1"/>
+              </a:solidFill>
+              <a:effectLst/>
+              <a:uLnTx/>
+              <a:uFillTx/>
+              <a:latin typeface="Cambria" pitchFamily="18" charset="0"/>
+              <a:ea typeface="+mj-ea"/>
+              <a:cs typeface="+mj-cs"/>
+            </a:endParaRPr>
+          </a:p>
+        </p:txBody>
+      </p:sp>
+      <p:sp>
+        <p:nvSpPr>
+          <p:cNvPr id="2" name="Title 1"/>
+          <p:cNvSpPr>
+            <a:spLocks noGrp="1"/>
+          </p:cNvSpPr>
+          <p:nvPr>
+            <p:ph type="title"/>
+          </p:nvPr>
+        </p:nvSpPr>
+        <p:spPr/>
+        <p:txBody>
+          <a:bodyPr/>
+          <a:lstStyle/>
+          <a:p>
+            <a:r>
+              <a:rPr lang="en-IN" dirty="0" smtClean="0"/>
+              <a:t>Need of </a:t>
+            </a:r>
+            <a:r>
+              <a:rPr lang="en-IN" dirty="0" err="1" smtClean="0"/>
+              <a:t>StackTraceElement</a:t>
+            </a:r>
+            <a:endParaRPr lang="en-US" dirty="0"/>
+          </a:p>
+        </p:txBody>
+      </p:sp>
+      <p:sp>
+        <p:nvSpPr>
+          <p:cNvPr id="5" name="Title 1"/>
+          <p:cNvSpPr txBox="1">
+            <a:spLocks/>
+          </p:cNvSpPr>
+          <p:nvPr/>
+        </p:nvSpPr>
+        <p:spPr>
+          <a:xfrm>
+            <a:off x="6324600" y="2362200"/>
+            <a:ext cx="2209800" cy="762000"/>
+          </a:xfrm>
+          <a:prstGeom prst="rect">
+            <a:avLst/>
+          </a:prstGeom>
+          <a:ln/>
+        </p:spPr>
+        <p:style>
+          <a:lnRef idx="1">
+            <a:schemeClr val="accent5"/>
+          </a:lnRef>
+          <a:fillRef idx="2">
+            <a:schemeClr val="accent5"/>
+          </a:fillRef>
+          <a:effectRef idx="1">
+            <a:schemeClr val="accent5"/>
+          </a:effectRef>
+          <a:fontRef idx="minor">
+            <a:schemeClr val="dk1"/>
+          </a:fontRef>
+        </p:style>
+        <p:txBody>
+          <a:bodyPr vert="horz" lIns="91440" tIns="45720" rIns="91440" bIns="45720" rtlCol="0" anchor="ctr">
+            <a:noAutofit/>
+          </a:bodyPr>
+          <a:lstStyle/>
+          <a:p>
+            <a:pPr marL="0" marR="0" lvl="0" indent="0" algn="ctr" defTabSz="914400" rtl="0" eaLnBrk="1" fontAlgn="auto" latinLnBrk="0" hangingPunct="1">
+              <a:lnSpc>
+                <a:spcPct val="100000"/>
+              </a:lnSpc>
+              <a:spcBef>
+                <a:spcPct val="0"/>
+              </a:spcBef>
+              <a:spcAft>
+                <a:spcPts val="0"/>
+              </a:spcAft>
+              <a:buClrTx/>
+              <a:buSzTx/>
+              <a:buFontTx/>
+              <a:buNone/>
+              <a:tabLst/>
+              <a:defRPr/>
+            </a:pPr>
+            <a:r>
+              <a:rPr lang="en-IN" sz="2000" dirty="0" smtClean="0">
+                <a:solidFill>
+                  <a:schemeClr val="tx1"/>
+                </a:solidFill>
+                <a:latin typeface="Cambria" pitchFamily="18" charset="0"/>
+                <a:ea typeface="+mj-ea"/>
+                <a:cs typeface="+mj-cs"/>
+              </a:rPr>
+              <a:t>Main Class</a:t>
+            </a:r>
+          </a:p>
+          <a:p>
+            <a:pPr marL="0" marR="0" lvl="0" indent="0" algn="ctr" defTabSz="914400" rtl="0" eaLnBrk="1" fontAlgn="auto" latinLnBrk="0" hangingPunct="1">
+              <a:lnSpc>
+                <a:spcPct val="100000"/>
+              </a:lnSpc>
+              <a:spcBef>
+                <a:spcPct val="0"/>
+              </a:spcBef>
+              <a:spcAft>
+                <a:spcPts val="0"/>
+              </a:spcAft>
+              <a:buClrTx/>
+              <a:buSzTx/>
+              <a:buFontTx/>
+              <a:buNone/>
+              <a:tabLst/>
+              <a:defRPr/>
+            </a:pPr>
+            <a:r>
+              <a:rPr lang="en-IN" sz="2000" b="1" dirty="0" smtClean="0">
+                <a:solidFill>
+                  <a:schemeClr val="tx1"/>
+                </a:solidFill>
+                <a:latin typeface="Cambria" pitchFamily="18" charset="0"/>
+                <a:ea typeface="+mj-ea"/>
+                <a:cs typeface="+mj-cs"/>
+              </a:rPr>
+              <a:t>m</a:t>
+            </a:r>
+            <a:r>
+              <a:rPr kumimoji="0" lang="en-IN" sz="2000" b="1" i="0" u="none" strike="noStrike" kern="1200" cap="none" spc="0" normalizeH="0" baseline="0" noProof="0" dirty="0" smtClean="0">
+                <a:ln>
+                  <a:noFill/>
+                </a:ln>
+                <a:solidFill>
+                  <a:schemeClr val="tx1"/>
+                </a:solidFill>
+                <a:effectLst/>
+                <a:uLnTx/>
+                <a:uFillTx/>
+                <a:latin typeface="Cambria" pitchFamily="18" charset="0"/>
+                <a:ea typeface="+mj-ea"/>
+                <a:cs typeface="+mj-cs"/>
+              </a:rPr>
+              <a:t>ain()</a:t>
+            </a:r>
+            <a:endParaRPr kumimoji="0" lang="en-US" sz="2000" b="1" i="0" u="none" strike="noStrike" kern="1200" cap="none" spc="0" normalizeH="0" baseline="0" noProof="0" dirty="0">
+              <a:ln>
+                <a:noFill/>
+              </a:ln>
+              <a:solidFill>
+                <a:schemeClr val="tx1"/>
+              </a:solidFill>
+              <a:effectLst/>
+              <a:uLnTx/>
+              <a:uFillTx/>
+              <a:latin typeface="Cambria" pitchFamily="18" charset="0"/>
+              <a:ea typeface="+mj-ea"/>
+              <a:cs typeface="+mj-cs"/>
+            </a:endParaRPr>
+          </a:p>
+        </p:txBody>
+      </p:sp>
+      <p:sp>
+        <p:nvSpPr>
+          <p:cNvPr id="6" name="Title 1"/>
+          <p:cNvSpPr txBox="1">
+            <a:spLocks/>
+          </p:cNvSpPr>
+          <p:nvPr/>
+        </p:nvSpPr>
+        <p:spPr>
+          <a:xfrm>
+            <a:off x="6324600" y="3810000"/>
+            <a:ext cx="2209800" cy="762000"/>
+          </a:xfrm>
+          <a:prstGeom prst="rect">
+            <a:avLst/>
+          </a:prstGeom>
+          <a:ln/>
+        </p:spPr>
+        <p:style>
+          <a:lnRef idx="1">
+            <a:schemeClr val="accent5"/>
+          </a:lnRef>
+          <a:fillRef idx="2">
+            <a:schemeClr val="accent5"/>
+          </a:fillRef>
+          <a:effectRef idx="1">
+            <a:schemeClr val="accent5"/>
+          </a:effectRef>
+          <a:fontRef idx="minor">
+            <a:schemeClr val="dk1"/>
+          </a:fontRef>
+        </p:style>
+        <p:txBody>
+          <a:bodyPr vert="horz" lIns="91440" tIns="45720" rIns="91440" bIns="45720" rtlCol="0" anchor="ctr">
+            <a:noAutofit/>
+          </a:bodyPr>
+          <a:lstStyle/>
+          <a:p>
+            <a:pPr marL="0" marR="0" lvl="0" indent="0" algn="ctr" defTabSz="914400" rtl="0" eaLnBrk="1" fontAlgn="auto" latinLnBrk="0" hangingPunct="1">
+              <a:lnSpc>
+                <a:spcPct val="100000"/>
+              </a:lnSpc>
+              <a:spcBef>
+                <a:spcPct val="0"/>
+              </a:spcBef>
+              <a:spcAft>
+                <a:spcPts val="0"/>
+              </a:spcAft>
+              <a:buClrTx/>
+              <a:buSzTx/>
+              <a:buFontTx/>
+              <a:buNone/>
+              <a:tabLst/>
+              <a:defRPr/>
+            </a:pPr>
+            <a:r>
+              <a:rPr lang="en-IN" sz="2000" dirty="0" smtClean="0">
+                <a:solidFill>
+                  <a:schemeClr val="tx1"/>
+                </a:solidFill>
+                <a:latin typeface="Cambria" pitchFamily="18" charset="0"/>
+                <a:ea typeface="+mj-ea"/>
+                <a:cs typeface="+mj-cs"/>
+              </a:rPr>
+              <a:t>Student Class</a:t>
+            </a:r>
+          </a:p>
+          <a:p>
+            <a:pPr marL="0" marR="0" lvl="0" indent="0" algn="ctr" defTabSz="914400" rtl="0" eaLnBrk="1" fontAlgn="auto" latinLnBrk="0" hangingPunct="1">
+              <a:lnSpc>
+                <a:spcPct val="100000"/>
+              </a:lnSpc>
+              <a:spcBef>
+                <a:spcPct val="0"/>
+              </a:spcBef>
+              <a:spcAft>
+                <a:spcPts val="0"/>
+              </a:spcAft>
+              <a:buClrTx/>
+              <a:buSzTx/>
+              <a:buFontTx/>
+              <a:buNone/>
+              <a:tabLst/>
+              <a:defRPr/>
+            </a:pPr>
+            <a:r>
+              <a:rPr lang="en-IN" sz="2000" b="1" dirty="0" err="1" smtClean="0">
+                <a:solidFill>
+                  <a:schemeClr val="tx1"/>
+                </a:solidFill>
+                <a:latin typeface="Cambria" pitchFamily="18" charset="0"/>
+                <a:ea typeface="+mj-ea"/>
+                <a:cs typeface="+mj-cs"/>
+              </a:rPr>
+              <a:t>d</a:t>
+            </a:r>
+            <a:r>
+              <a:rPr kumimoji="0" lang="en-IN" sz="2000" b="1" i="0" u="none" strike="noStrike" kern="1200" cap="none" spc="0" normalizeH="0" baseline="0" noProof="0" dirty="0" err="1" smtClean="0">
+                <a:ln>
+                  <a:noFill/>
+                </a:ln>
+                <a:solidFill>
+                  <a:schemeClr val="tx1"/>
+                </a:solidFill>
+                <a:effectLst/>
+                <a:uLnTx/>
+                <a:uFillTx/>
+                <a:latin typeface="Cambria" pitchFamily="18" charset="0"/>
+                <a:ea typeface="+mj-ea"/>
+                <a:cs typeface="+mj-cs"/>
+              </a:rPr>
+              <a:t>isplayDetails</a:t>
+            </a:r>
+            <a:r>
+              <a:rPr kumimoji="0" lang="en-IN" sz="2000" b="1" i="0" u="none" strike="noStrike" kern="1200" cap="none" spc="0" normalizeH="0" baseline="0" noProof="0" dirty="0" smtClean="0">
+                <a:ln>
+                  <a:noFill/>
+                </a:ln>
+                <a:solidFill>
+                  <a:schemeClr val="tx1"/>
+                </a:solidFill>
+                <a:effectLst/>
+                <a:uLnTx/>
+                <a:uFillTx/>
+                <a:latin typeface="Cambria" pitchFamily="18" charset="0"/>
+                <a:ea typeface="+mj-ea"/>
+                <a:cs typeface="+mj-cs"/>
+              </a:rPr>
+              <a:t>()</a:t>
+            </a:r>
+            <a:endParaRPr kumimoji="0" lang="en-US" sz="2000" b="1" i="0" u="none" strike="noStrike" kern="1200" cap="none" spc="0" normalizeH="0" baseline="0" noProof="0" dirty="0">
+              <a:ln>
+                <a:noFill/>
+              </a:ln>
+              <a:solidFill>
+                <a:schemeClr val="tx1"/>
+              </a:solidFill>
+              <a:effectLst/>
+              <a:uLnTx/>
+              <a:uFillTx/>
+              <a:latin typeface="Cambria" pitchFamily="18" charset="0"/>
+              <a:ea typeface="+mj-ea"/>
+              <a:cs typeface="+mj-cs"/>
+            </a:endParaRPr>
+          </a:p>
+        </p:txBody>
+      </p:sp>
+      <p:sp>
+        <p:nvSpPr>
+          <p:cNvPr id="8" name="Title 1"/>
+          <p:cNvSpPr txBox="1">
+            <a:spLocks/>
+          </p:cNvSpPr>
+          <p:nvPr/>
+        </p:nvSpPr>
+        <p:spPr>
+          <a:xfrm>
+            <a:off x="5067300" y="1752600"/>
+            <a:ext cx="990600" cy="381000"/>
+          </a:xfrm>
+          <a:prstGeom prst="rect">
+            <a:avLst/>
+          </a:prstGeom>
+          <a:ln/>
+        </p:spPr>
+        <p:style>
+          <a:lnRef idx="1">
+            <a:schemeClr val="accent5"/>
+          </a:lnRef>
+          <a:fillRef idx="2">
+            <a:schemeClr val="accent5"/>
+          </a:fillRef>
+          <a:effectRef idx="1">
+            <a:schemeClr val="accent5"/>
+          </a:effectRef>
+          <a:fontRef idx="minor">
+            <a:schemeClr val="dk1"/>
+          </a:fontRef>
+        </p:style>
+        <p:txBody>
+          <a:bodyPr vert="horz" lIns="91440" tIns="45720" rIns="91440" bIns="45720" rtlCol="0" anchor="ctr">
+            <a:noAutofit/>
+          </a:bodyPr>
+          <a:lstStyle/>
+          <a:p>
+            <a:pPr marL="0" marR="0" lvl="0" indent="0" algn="ctr" defTabSz="914400" rtl="0" eaLnBrk="1" fontAlgn="auto" latinLnBrk="0" hangingPunct="1">
+              <a:lnSpc>
+                <a:spcPct val="100000"/>
+              </a:lnSpc>
+              <a:spcBef>
+                <a:spcPct val="0"/>
+              </a:spcBef>
+              <a:spcAft>
+                <a:spcPts val="0"/>
+              </a:spcAft>
+              <a:buClrTx/>
+              <a:buSzTx/>
+              <a:buFontTx/>
+              <a:buNone/>
+              <a:tabLst/>
+              <a:defRPr/>
+            </a:pPr>
+            <a:r>
+              <a:rPr lang="en-IN" sz="2000" dirty="0" smtClean="0">
+                <a:solidFill>
+                  <a:schemeClr val="tx1"/>
+                </a:solidFill>
+                <a:latin typeface="Cambria" pitchFamily="18" charset="0"/>
+                <a:ea typeface="+mj-ea"/>
+                <a:cs typeface="+mj-cs"/>
+              </a:rPr>
+              <a:t>Base</a:t>
+            </a:r>
+            <a:endParaRPr kumimoji="0" lang="en-US" sz="2000" b="0" i="0" u="none" strike="noStrike" kern="1200" cap="none" spc="0" normalizeH="0" baseline="0" noProof="0" dirty="0">
+              <a:ln>
+                <a:noFill/>
+              </a:ln>
+              <a:solidFill>
+                <a:schemeClr val="tx1"/>
+              </a:solidFill>
+              <a:effectLst/>
+              <a:uLnTx/>
+              <a:uFillTx/>
+              <a:latin typeface="Cambria" pitchFamily="18" charset="0"/>
+              <a:ea typeface="+mj-ea"/>
+              <a:cs typeface="+mj-cs"/>
+            </a:endParaRPr>
+          </a:p>
+        </p:txBody>
+      </p:sp>
+      <p:sp>
+        <p:nvSpPr>
+          <p:cNvPr id="9" name="Title 1"/>
+          <p:cNvSpPr txBox="1">
+            <a:spLocks/>
+          </p:cNvSpPr>
+          <p:nvPr/>
+        </p:nvSpPr>
+        <p:spPr>
+          <a:xfrm>
+            <a:off x="4876800" y="6096000"/>
+            <a:ext cx="1371600" cy="381000"/>
+          </a:xfrm>
+          <a:prstGeom prst="rect">
+            <a:avLst/>
+          </a:prstGeom>
+          <a:ln/>
+        </p:spPr>
+        <p:style>
+          <a:lnRef idx="1">
+            <a:schemeClr val="accent4"/>
+          </a:lnRef>
+          <a:fillRef idx="2">
+            <a:schemeClr val="accent4"/>
+          </a:fillRef>
+          <a:effectRef idx="1">
+            <a:schemeClr val="accent4"/>
+          </a:effectRef>
+          <a:fontRef idx="minor">
+            <a:schemeClr val="dk1"/>
+          </a:fontRef>
+        </p:style>
+        <p:txBody>
+          <a:bodyPr vert="horz" lIns="91440" tIns="45720" rIns="91440" bIns="45720" rtlCol="0" anchor="ctr">
+            <a:noAutofit/>
+          </a:bodyPr>
+          <a:lstStyle/>
+          <a:p>
+            <a:pPr marL="0" marR="0" lvl="0" indent="0" algn="ctr" defTabSz="914400" rtl="0" eaLnBrk="1" fontAlgn="auto" latinLnBrk="0" hangingPunct="1">
+              <a:lnSpc>
+                <a:spcPct val="100000"/>
+              </a:lnSpc>
+              <a:spcBef>
+                <a:spcPct val="0"/>
+              </a:spcBef>
+              <a:spcAft>
+                <a:spcPts val="0"/>
+              </a:spcAft>
+              <a:buClrTx/>
+              <a:buSzTx/>
+              <a:buFontTx/>
+              <a:buNone/>
+              <a:tabLst/>
+              <a:defRPr/>
+            </a:pPr>
+            <a:r>
+              <a:rPr lang="en-IN" sz="2000" dirty="0" smtClean="0">
+                <a:solidFill>
+                  <a:schemeClr val="tx1"/>
+                </a:solidFill>
+                <a:latin typeface="Cambria" pitchFamily="18" charset="0"/>
+                <a:ea typeface="+mj-ea"/>
+                <a:cs typeface="+mj-cs"/>
+              </a:rPr>
+              <a:t>Top Frame</a:t>
+            </a:r>
+            <a:endParaRPr kumimoji="0" lang="en-US" sz="2000" b="0" i="0" u="none" strike="noStrike" kern="1200" cap="none" spc="0" normalizeH="0" baseline="0" noProof="0" dirty="0">
+              <a:ln>
+                <a:noFill/>
+              </a:ln>
+              <a:solidFill>
+                <a:schemeClr val="tx1"/>
+              </a:solidFill>
+              <a:effectLst/>
+              <a:uLnTx/>
+              <a:uFillTx/>
+              <a:latin typeface="Cambria" pitchFamily="18" charset="0"/>
+              <a:ea typeface="+mj-ea"/>
+              <a:cs typeface="+mj-cs"/>
+            </a:endParaRPr>
+          </a:p>
+        </p:txBody>
+      </p:sp>
+      <p:cxnSp>
+        <p:nvCxnSpPr>
+          <p:cNvPr id="11" name="Shape 10"/>
+          <p:cNvCxnSpPr>
+            <a:stCxn id="8" idx="2"/>
+            <a:endCxn id="5" idx="1"/>
+          </p:cNvCxnSpPr>
+          <p:nvPr/>
+        </p:nvCxnSpPr>
+        <p:spPr>
+          <a:xfrm rot="16200000" flipH="1">
+            <a:off x="5638800" y="2057400"/>
+            <a:ext cx="609600" cy="762000"/>
+          </a:xfrm>
+          <a:prstGeom prst="bentConnector2">
+            <a:avLst/>
+          </a:prstGeom>
+          <a:ln>
+            <a:tailEnd type="arrow"/>
+          </a:ln>
+        </p:spPr>
+        <p:style>
+          <a:lnRef idx="2">
+            <a:schemeClr val="dk1"/>
+          </a:lnRef>
+          <a:fillRef idx="0">
+            <a:schemeClr val="dk1"/>
+          </a:fillRef>
+          <a:effectRef idx="1">
+            <a:schemeClr val="dk1"/>
+          </a:effectRef>
+          <a:fontRef idx="minor">
+            <a:schemeClr val="tx1"/>
+          </a:fontRef>
+        </p:style>
+      </p:cxnSp>
+      <p:cxnSp>
+        <p:nvCxnSpPr>
+          <p:cNvPr id="12" name="Shape 11"/>
+          <p:cNvCxnSpPr>
+            <a:stCxn id="9" idx="0"/>
+            <a:endCxn id="6" idx="1"/>
+          </p:cNvCxnSpPr>
+          <p:nvPr/>
+        </p:nvCxnSpPr>
+        <p:spPr>
+          <a:xfrm rot="5400000" flipH="1" flipV="1">
+            <a:off x="4991100" y="4762500"/>
+            <a:ext cx="1905000" cy="762000"/>
+          </a:xfrm>
+          <a:prstGeom prst="bentConnector2">
+            <a:avLst/>
+          </a:prstGeom>
+          <a:ln>
+            <a:tailEnd type="arrow"/>
+          </a:ln>
+        </p:spPr>
+        <p:style>
+          <a:lnRef idx="2">
+            <a:schemeClr val="dk1"/>
+          </a:lnRef>
+          <a:fillRef idx="0">
+            <a:schemeClr val="dk1"/>
+          </a:fillRef>
+          <a:effectRef idx="1">
+            <a:schemeClr val="dk1"/>
+          </a:effectRef>
+          <a:fontRef idx="minor">
+            <a:schemeClr val="tx1"/>
+          </a:fontRef>
+        </p:style>
+      </p:cxnSp>
+    </p:spTree>
+  </p:cSld>
+  <p:clrMapOvr>
+    <a:masterClrMapping/>
+  </p:clrMapOvr>
+</p:sld>
+</file>
+
+<file path=ppt/slides/slide34.xml><?xml version="1.0" encoding="utf-8"?>
+<p:sld xmlns:a="http://schemas.openxmlformats.org/drawingml/2006/main" xmlns:r="http://schemas.openxmlformats.org/officeDocument/2006/relationships" xmlns:p="http://schemas.openxmlformats.org/presentationml/2006/main">
+  <p:cSld>
+    <p:spTree>
+      <p:nvGrpSpPr>
+        <p:cNvPr id="1" name=""/>
+        <p:cNvGrpSpPr/>
+        <p:nvPr/>
+      </p:nvGrpSpPr>
+      <p:grpSpPr>
+        <a:xfrm>
+          <a:off x="0" y="0"/>
+          <a:ext cx="0" cy="0"/>
+          <a:chOff x="0" y="0"/>
+          <a:chExt cx="0" cy="0"/>
+        </a:xfrm>
+      </p:grpSpPr>
+      <p:sp>
+        <p:nvSpPr>
+          <p:cNvPr id="2" name="Title 1"/>
+          <p:cNvSpPr>
+            <a:spLocks noGrp="1"/>
+          </p:cNvSpPr>
+          <p:nvPr>
+            <p:ph type="title"/>
+          </p:nvPr>
+        </p:nvSpPr>
+        <p:spPr/>
+        <p:txBody>
+          <a:bodyPr/>
+          <a:lstStyle/>
+          <a:p>
+            <a:r>
+              <a:rPr lang="en-IN" dirty="0" smtClean="0"/>
+              <a:t>Stack Trace Element</a:t>
+            </a:r>
+            <a:endParaRPr lang="en-US" dirty="0"/>
+          </a:p>
+        </p:txBody>
+      </p:sp>
+      <p:pic>
+        <p:nvPicPr>
+          <p:cNvPr id="7170" name="Picture 2"/>
+          <p:cNvPicPr>
+            <a:picLocks noChangeAspect="1" noChangeArrowheads="1"/>
+          </p:cNvPicPr>
+          <p:nvPr/>
+        </p:nvPicPr>
+        <p:blipFill>
+          <a:blip r:embed="rId2"/>
+          <a:srcRect/>
+          <a:stretch>
+            <a:fillRect/>
+          </a:stretch>
+        </p:blipFill>
+        <p:spPr bwMode="auto">
+          <a:xfrm>
+            <a:off x="457200" y="1676400"/>
+            <a:ext cx="7524750" cy="3133725"/>
+          </a:xfrm>
+          <a:prstGeom prst="rect">
+            <a:avLst/>
+          </a:prstGeom>
+          <a:noFill/>
+          <a:ln w="9525">
+            <a:noFill/>
+            <a:miter lim="800000"/>
+            <a:headEnd/>
+            <a:tailEnd/>
+          </a:ln>
+          <a:effectLst/>
+        </p:spPr>
+      </p:pic>
+      <p:pic>
+        <p:nvPicPr>
+          <p:cNvPr id="7171" name="Picture 3"/>
+          <p:cNvPicPr>
+            <a:picLocks noChangeAspect="1" noChangeArrowheads="1"/>
+          </p:cNvPicPr>
+          <p:nvPr/>
+        </p:nvPicPr>
+        <p:blipFill>
+          <a:blip r:embed="rId3"/>
+          <a:srcRect/>
+          <a:stretch>
+            <a:fillRect/>
+          </a:stretch>
+        </p:blipFill>
+        <p:spPr bwMode="auto">
+          <a:xfrm>
+            <a:off x="3581400" y="4648200"/>
+            <a:ext cx="4591050" cy="1876425"/>
+          </a:xfrm>
+          <a:prstGeom prst="rect">
+            <a:avLst/>
+          </a:prstGeom>
+          <a:noFill/>
+          <a:ln w="9525">
+            <a:noFill/>
+            <a:miter lim="800000"/>
+            <a:headEnd/>
+            <a:tailEnd/>
+          </a:ln>
+          <a:effectLst/>
+        </p:spPr>
+      </p:pic>
+      <p:sp>
+        <p:nvSpPr>
+          <p:cNvPr id="6" name="Title 1"/>
+          <p:cNvSpPr txBox="1">
+            <a:spLocks/>
+          </p:cNvSpPr>
+          <p:nvPr/>
+        </p:nvSpPr>
+        <p:spPr>
+          <a:xfrm>
+            <a:off x="6858000" y="2286000"/>
+            <a:ext cx="1524000" cy="762000"/>
+          </a:xfrm>
+          <a:prstGeom prst="rect">
+            <a:avLst/>
+          </a:prstGeom>
+          <a:ln/>
+        </p:spPr>
+        <p:style>
+          <a:lnRef idx="1">
+            <a:schemeClr val="accent4"/>
+          </a:lnRef>
+          <a:fillRef idx="2">
+            <a:schemeClr val="accent4"/>
+          </a:fillRef>
+          <a:effectRef idx="1">
+            <a:schemeClr val="accent4"/>
+          </a:effectRef>
+          <a:fontRef idx="minor">
+            <a:schemeClr val="dk1"/>
+          </a:fontRef>
+        </p:style>
+        <p:txBody>
+          <a:bodyPr vert="horz" lIns="91440" tIns="45720" rIns="91440" bIns="45720" rtlCol="0" anchor="ctr">
+            <a:noAutofit/>
+          </a:bodyPr>
+          <a:lstStyle/>
+          <a:p>
+            <a:pPr marL="0" marR="0" lvl="0" indent="0" algn="ctr" defTabSz="914400" rtl="0" eaLnBrk="1" fontAlgn="auto" latinLnBrk="0" hangingPunct="1">
+              <a:lnSpc>
+                <a:spcPct val="100000"/>
+              </a:lnSpc>
+              <a:spcBef>
+                <a:spcPct val="0"/>
+              </a:spcBef>
+              <a:spcAft>
+                <a:spcPts val="0"/>
+              </a:spcAft>
+              <a:buClrTx/>
+              <a:buSzTx/>
+              <a:buFontTx/>
+              <a:buNone/>
+              <a:tabLst/>
+              <a:defRPr/>
+            </a:pPr>
+            <a:r>
+              <a:rPr lang="en-IN" sz="2000" dirty="0" smtClean="0">
+                <a:solidFill>
+                  <a:schemeClr val="tx1"/>
+                </a:solidFill>
+                <a:latin typeface="Cambria" pitchFamily="18" charset="0"/>
+                <a:ea typeface="+mj-ea"/>
+                <a:cs typeface="+mj-cs"/>
+              </a:rPr>
+              <a:t>Execution Point</a:t>
+            </a:r>
+            <a:endParaRPr kumimoji="0" lang="en-US" sz="2000" b="0" i="0" u="none" strike="noStrike" kern="1200" cap="none" spc="0" normalizeH="0" baseline="0" noProof="0" dirty="0">
+              <a:ln>
+                <a:noFill/>
+              </a:ln>
+              <a:solidFill>
+                <a:schemeClr val="tx1"/>
+              </a:solidFill>
+              <a:effectLst/>
+              <a:uLnTx/>
+              <a:uFillTx/>
+              <a:latin typeface="Cambria" pitchFamily="18" charset="0"/>
+              <a:ea typeface="+mj-ea"/>
+              <a:cs typeface="+mj-cs"/>
+            </a:endParaRPr>
+          </a:p>
+        </p:txBody>
+      </p:sp>
+      <p:cxnSp>
+        <p:nvCxnSpPr>
+          <p:cNvPr id="7" name="Shape 6"/>
+          <p:cNvCxnSpPr>
+            <a:stCxn id="6" idx="1"/>
+          </p:cNvCxnSpPr>
+          <p:nvPr/>
+        </p:nvCxnSpPr>
+        <p:spPr>
+          <a:xfrm rot="10800000" flipH="1" flipV="1">
+            <a:off x="6858000" y="2667000"/>
+            <a:ext cx="1066800" cy="1447800"/>
+          </a:xfrm>
+          <a:prstGeom prst="bentConnector4">
+            <a:avLst>
+              <a:gd name="adj1" fmla="val -21429"/>
+              <a:gd name="adj2" fmla="val 63158"/>
+            </a:avLst>
+          </a:prstGeom>
+          <a:ln>
+            <a:tailEnd type="arrow"/>
+          </a:ln>
+        </p:spPr>
+        <p:style>
+          <a:lnRef idx="2">
+            <a:schemeClr val="dk1"/>
+          </a:lnRef>
+          <a:fillRef idx="0">
+            <a:schemeClr val="dk1"/>
+          </a:fillRef>
+          <a:effectRef idx="1">
+            <a:schemeClr val="dk1"/>
+          </a:effectRef>
+          <a:fontRef idx="minor">
+            <a:schemeClr val="tx1"/>
+          </a:fontRef>
+        </p:style>
+      </p:cxnSp>
+    </p:spTree>
+  </p:cSld>
+  <p:clrMapOvr>
+    <a:masterClrMapping/>
+  </p:clrMapOvr>
+</p:sld>
+</file>
+
+<file path=ppt/slides/slide35.xml><?xml version="1.0" encoding="utf-8"?>
+<p:sld xmlns:a="http://schemas.openxmlformats.org/drawingml/2006/main" xmlns:r="http://schemas.openxmlformats.org/officeDocument/2006/relationships" xmlns:p="http://schemas.openxmlformats.org/presentationml/2006/main">
+  <p:cSld>
+    <p:spTree>
+      <p:nvGrpSpPr>
+        <p:cNvPr id="1" name=""/>
+        <p:cNvGrpSpPr/>
+        <p:nvPr/>
+      </p:nvGrpSpPr>
+      <p:grpSpPr>
+        <a:xfrm>
+          <a:off x="0" y="0"/>
+          <a:ext cx="0" cy="0"/>
+          <a:chOff x="0" y="0"/>
+          <a:chExt cx="0" cy="0"/>
+        </a:xfrm>
+      </p:grpSpPr>
+      <p:sp>
+        <p:nvSpPr>
+          <p:cNvPr id="2" name="Title 1"/>
+          <p:cNvSpPr>
+            <a:spLocks noGrp="1"/>
+          </p:cNvSpPr>
+          <p:nvPr>
+            <p:ph type="title"/>
+          </p:nvPr>
+        </p:nvSpPr>
+        <p:spPr/>
+        <p:txBody>
+          <a:bodyPr/>
+          <a:lstStyle/>
+          <a:p>
+            <a:r>
+              <a:rPr lang="en-IN" dirty="0" smtClean="0"/>
+              <a:t>Methods</a:t>
+            </a:r>
+            <a:endParaRPr lang="en-US" dirty="0"/>
+          </a:p>
+        </p:txBody>
+      </p:sp>
+      <p:pic>
+        <p:nvPicPr>
+          <p:cNvPr id="8194" name="Picture 2"/>
+          <p:cNvPicPr>
+            <a:picLocks noChangeAspect="1" noChangeArrowheads="1"/>
+          </p:cNvPicPr>
+          <p:nvPr/>
+        </p:nvPicPr>
+        <p:blipFill>
+          <a:blip r:embed="rId2"/>
+          <a:srcRect/>
+          <a:stretch>
+            <a:fillRect/>
+          </a:stretch>
+        </p:blipFill>
+        <p:spPr bwMode="auto">
+          <a:xfrm>
+            <a:off x="1066800" y="1752600"/>
+            <a:ext cx="7315200" cy="4681728"/>
+          </a:xfrm>
+          <a:prstGeom prst="rect">
+            <a:avLst/>
+          </a:prstGeom>
+          <a:noFill/>
+          <a:ln w="9525">
+            <a:noFill/>
+            <a:miter lim="800000"/>
+            <a:headEnd/>
+            <a:tailEnd/>
+          </a:ln>
+          <a:effectLst/>
+        </p:spPr>
+      </p:pic>
+    </p:spTree>
+  </p:cSld>
+  <p:clrMapOvr>
+    <a:masterClrMapping/>
+  </p:clrMapOvr>
+</p:sld>
+</file>
+
+<file path=ppt/slides/slide36.xml><?xml version="1.0" encoding="utf-8"?>
+<p:sld xmlns:a="http://schemas.openxmlformats.org/drawingml/2006/main" xmlns:r="http://schemas.openxmlformats.org/officeDocument/2006/relationships" xmlns:p="http://schemas.openxmlformats.org/presentationml/2006/main">
+  <p:cSld>
+    <p:spTree>
+      <p:nvGrpSpPr>
+        <p:cNvPr id="1" name=""/>
+        <p:cNvGrpSpPr/>
+        <p:nvPr/>
+      </p:nvGrpSpPr>
+      <p:grpSpPr>
+        <a:xfrm>
+          <a:off x="0" y="0"/>
+          <a:ext cx="0" cy="0"/>
+          <a:chOff x="0" y="0"/>
+          <a:chExt cx="0" cy="0"/>
+        </a:xfrm>
+      </p:grpSpPr>
+      <p:sp>
+        <p:nvSpPr>
+          <p:cNvPr id="2" name="Title 1"/>
+          <p:cNvSpPr>
+            <a:spLocks noGrp="1"/>
+          </p:cNvSpPr>
+          <p:nvPr>
+            <p:ph type="title"/>
+          </p:nvPr>
+        </p:nvSpPr>
+        <p:spPr/>
+        <p:txBody>
+          <a:bodyPr/>
+          <a:lstStyle/>
+          <a:p>
+            <a:r>
+              <a:rPr lang="en-IN" dirty="0" smtClean="0"/>
+              <a:t>Methods</a:t>
+            </a:r>
+            <a:endParaRPr lang="en-US" dirty="0"/>
+          </a:p>
+        </p:txBody>
+      </p:sp>
+      <p:pic>
+        <p:nvPicPr>
+          <p:cNvPr id="9218" name="Picture 2"/>
+          <p:cNvPicPr>
+            <a:picLocks noChangeAspect="1" noChangeArrowheads="1"/>
+          </p:cNvPicPr>
+          <p:nvPr/>
+        </p:nvPicPr>
+        <p:blipFill>
+          <a:blip r:embed="rId2"/>
+          <a:srcRect/>
+          <a:stretch>
+            <a:fillRect/>
+          </a:stretch>
+        </p:blipFill>
+        <p:spPr bwMode="auto">
+          <a:xfrm>
+            <a:off x="762000" y="1828800"/>
+            <a:ext cx="7620000" cy="4396154"/>
+          </a:xfrm>
+          <a:prstGeom prst="rect">
+            <a:avLst/>
+          </a:prstGeom>
+          <a:noFill/>
+          <a:ln w="9525">
+            <a:noFill/>
+            <a:miter lim="800000"/>
+            <a:headEnd/>
+            <a:tailEnd/>
+          </a:ln>
+          <a:effectLst/>
+        </p:spPr>
+      </p:pic>
+    </p:spTree>
+  </p:cSld>
+  <p:clrMapOvr>
+    <a:masterClrMapping/>
+  </p:clrMapOvr>
+</p:sld>
+</file>
+
+<file path=ppt/slides/slide37.xml><?xml version="1.0" encoding="utf-8"?>
+<p:sld xmlns:a="http://schemas.openxmlformats.org/drawingml/2006/main" xmlns:r="http://schemas.openxmlformats.org/officeDocument/2006/relationships" xmlns:p="http://schemas.openxmlformats.org/presentationml/2006/main">
+  <p:cSld>
+    <p:spTree>
+      <p:nvGrpSpPr>
+        <p:cNvPr id="1" name=""/>
+        <p:cNvGrpSpPr/>
+        <p:nvPr/>
+      </p:nvGrpSpPr>
+      <p:grpSpPr>
+        <a:xfrm>
+          <a:off x="0" y="0"/>
+          <a:ext cx="0" cy="0"/>
+          <a:chOff x="0" y="0"/>
+          <a:chExt cx="0" cy="0"/>
+        </a:xfrm>
+      </p:grpSpPr>
+      <p:sp>
+        <p:nvSpPr>
+          <p:cNvPr id="2" name="Title 1"/>
+          <p:cNvSpPr>
+            <a:spLocks noGrp="1"/>
+          </p:cNvSpPr>
+          <p:nvPr>
+            <p:ph type="title"/>
+          </p:nvPr>
+        </p:nvSpPr>
+        <p:spPr>
+          <a:xfrm>
+            <a:off x="457200" y="1981200"/>
+            <a:ext cx="8229600" cy="1143000"/>
+          </a:xfrm>
+        </p:spPr>
+        <p:txBody>
+          <a:bodyPr/>
+          <a:lstStyle/>
+          <a:p>
+            <a:r>
+              <a:rPr lang="en-US" dirty="0" smtClean="0"/>
+              <a:t>Thank You</a:t>
+            </a:r>
+            <a:endParaRPr lang="en-US" dirty="0"/>
+          </a:p>
+        </p:txBody>
+      </p:sp>
+      <p:sp>
+        <p:nvSpPr>
+          <p:cNvPr id="4" name="Subtitle 2"/>
+          <p:cNvSpPr txBox="1">
+            <a:spLocks/>
+          </p:cNvSpPr>
+          <p:nvPr/>
+        </p:nvSpPr>
+        <p:spPr>
+          <a:xfrm>
+            <a:off x="4038600" y="4191000"/>
+            <a:ext cx="4191000" cy="1752600"/>
+          </a:xfrm>
+          <a:prstGeom prst="rect">
+            <a:avLst/>
+          </a:prstGeom>
+        </p:spPr>
+        <p:txBody>
+          <a:bodyPr vert="horz" lIns="91440" tIns="45720" rIns="91440" bIns="45720" rtlCol="0">
+            <a:normAutofit fontScale="92500" lnSpcReduction="10000"/>
+          </a:bodyPr>
+          <a:lstStyle/>
+          <a:p>
+            <a:pPr marL="342900" marR="0" lvl="0" indent="-342900" algn="r" defTabSz="914400" rtl="0" eaLnBrk="1" fontAlgn="auto" latinLnBrk="0" hangingPunct="1">
+              <a:lnSpc>
+                <a:spcPct val="100000"/>
+              </a:lnSpc>
+              <a:spcBef>
+                <a:spcPct val="20000"/>
+              </a:spcBef>
+              <a:spcAft>
+                <a:spcPts val="0"/>
+              </a:spcAft>
+              <a:buClrTx/>
+              <a:buSzTx/>
+              <a:tabLst/>
+              <a:defRPr/>
+            </a:pPr>
+            <a:r>
+              <a:rPr kumimoji="0" lang="en-US" sz="2200" b="0" i="0" u="none" strike="noStrike" kern="1200" cap="none" spc="0" normalizeH="0" baseline="0" noProof="0" dirty="0" err="1" smtClean="0">
+                <a:ln>
+                  <a:noFill/>
+                </a:ln>
+                <a:solidFill>
+                  <a:schemeClr val="tx1"/>
+                </a:solidFill>
+                <a:effectLst/>
+                <a:uLnTx/>
+                <a:uFillTx/>
+                <a:latin typeface="Cambria" pitchFamily="18" charset="0"/>
+                <a:ea typeface="+mn-ea"/>
+                <a:cs typeface="+mn-cs"/>
+              </a:rPr>
+              <a:t>Rajasekaran</a:t>
+            </a:r>
+            <a:r>
+              <a:rPr kumimoji="0" lang="en-US" sz="2200" b="0" i="0" u="none" strike="noStrike" kern="1200" cap="none" spc="0" normalizeH="0" baseline="0" noProof="0" dirty="0" smtClean="0">
+                <a:ln>
+                  <a:noFill/>
+                </a:ln>
+                <a:solidFill>
+                  <a:schemeClr val="tx1"/>
+                </a:solidFill>
+                <a:effectLst/>
+                <a:uLnTx/>
+                <a:uFillTx/>
+                <a:latin typeface="Cambria" pitchFamily="18" charset="0"/>
+                <a:ea typeface="+mn-ea"/>
+                <a:cs typeface="+mn-cs"/>
+              </a:rPr>
+              <a:t> S</a:t>
+            </a:r>
+          </a:p>
+          <a:p>
+            <a:pPr marL="342900" marR="0" lvl="0" indent="-342900" algn="r" defTabSz="914400" rtl="0" eaLnBrk="1" fontAlgn="auto" latinLnBrk="0" hangingPunct="1">
+              <a:lnSpc>
+                <a:spcPct val="100000"/>
+              </a:lnSpc>
+              <a:spcBef>
+                <a:spcPct val="20000"/>
+              </a:spcBef>
+              <a:spcAft>
+                <a:spcPts val="0"/>
+              </a:spcAft>
+              <a:buClrTx/>
+              <a:buSzTx/>
+              <a:tabLst/>
+              <a:defRPr/>
+            </a:pPr>
+            <a:r>
+              <a:rPr kumimoji="0" lang="en-US" sz="1600" b="0" i="0" u="none" strike="noStrike" kern="1200" cap="none" spc="0" normalizeH="0" baseline="0" noProof="0" dirty="0" smtClean="0">
+                <a:ln>
+                  <a:noFill/>
+                </a:ln>
+                <a:solidFill>
+                  <a:schemeClr val="tx1"/>
+                </a:solidFill>
+                <a:effectLst/>
+                <a:uLnTx/>
+                <a:uFillTx/>
+                <a:latin typeface="Cambria" pitchFamily="18" charset="0"/>
+                <a:ea typeface="+mn-ea"/>
+                <a:cs typeface="+mn-cs"/>
+              </a:rPr>
+              <a:t>Assistant Professor,</a:t>
+            </a:r>
+          </a:p>
+          <a:p>
+            <a:pPr marL="342900" marR="0" lvl="0" indent="-342900" algn="r" defTabSz="914400" rtl="0" eaLnBrk="1" fontAlgn="auto" latinLnBrk="0" hangingPunct="1">
+              <a:lnSpc>
+                <a:spcPct val="100000"/>
+              </a:lnSpc>
+              <a:spcBef>
+                <a:spcPct val="20000"/>
+              </a:spcBef>
+              <a:spcAft>
+                <a:spcPts val="0"/>
+              </a:spcAft>
+              <a:buClrTx/>
+              <a:buSzTx/>
+              <a:tabLst/>
+              <a:defRPr/>
+            </a:pPr>
+            <a:r>
+              <a:rPr kumimoji="0" lang="en-US" sz="1600" b="0" i="0" u="none" strike="noStrike" kern="1200" cap="none" spc="0" normalizeH="0" baseline="0" noProof="0" dirty="0" smtClean="0">
+                <a:ln>
+                  <a:noFill/>
+                </a:ln>
+                <a:solidFill>
+                  <a:schemeClr val="tx1"/>
+                </a:solidFill>
+                <a:effectLst/>
+                <a:uLnTx/>
+                <a:uFillTx/>
+                <a:latin typeface="Cambria" pitchFamily="18" charset="0"/>
+                <a:ea typeface="+mn-ea"/>
+                <a:cs typeface="+mn-cs"/>
+              </a:rPr>
+              <a:t>Department of Information Technology,</a:t>
+            </a:r>
+          </a:p>
+          <a:p>
+            <a:pPr marL="342900" marR="0" lvl="0" indent="-342900" algn="r" defTabSz="914400" rtl="0" eaLnBrk="1" fontAlgn="auto" latinLnBrk="0" hangingPunct="1">
+              <a:lnSpc>
+                <a:spcPct val="100000"/>
+              </a:lnSpc>
+              <a:spcBef>
+                <a:spcPct val="20000"/>
+              </a:spcBef>
+              <a:spcAft>
+                <a:spcPts val="0"/>
+              </a:spcAft>
+              <a:buClrTx/>
+              <a:buSzTx/>
+              <a:tabLst/>
+              <a:defRPr/>
+            </a:pPr>
+            <a:r>
+              <a:rPr kumimoji="0" lang="en-US" sz="1600" b="0" i="0" u="none" strike="noStrike" kern="1200" cap="none" spc="0" normalizeH="0" baseline="0" noProof="0" dirty="0" err="1" smtClean="0">
+                <a:ln>
+                  <a:noFill/>
+                </a:ln>
+                <a:solidFill>
+                  <a:schemeClr val="tx1"/>
+                </a:solidFill>
+                <a:effectLst/>
+                <a:uLnTx/>
+                <a:uFillTx/>
+                <a:latin typeface="Cambria" pitchFamily="18" charset="0"/>
+                <a:ea typeface="+mn-ea"/>
+                <a:cs typeface="+mn-cs"/>
+              </a:rPr>
+              <a:t>KGiSL</a:t>
+            </a:r>
+            <a:r>
+              <a:rPr kumimoji="0" lang="en-US" sz="1600" b="0" i="0" u="none" strike="noStrike" kern="1200" cap="none" spc="0" normalizeH="0" baseline="0" noProof="0" dirty="0" smtClean="0">
+                <a:ln>
+                  <a:noFill/>
+                </a:ln>
+                <a:solidFill>
+                  <a:schemeClr val="tx1"/>
+                </a:solidFill>
+                <a:effectLst/>
+                <a:uLnTx/>
+                <a:uFillTx/>
+                <a:latin typeface="Cambria" pitchFamily="18" charset="0"/>
+                <a:ea typeface="+mn-ea"/>
+                <a:cs typeface="+mn-cs"/>
+              </a:rPr>
+              <a:t> Institute of Technology,</a:t>
+            </a:r>
+          </a:p>
+          <a:p>
+            <a:pPr marL="342900" marR="0" lvl="0" indent="-342900" algn="r" defTabSz="914400" rtl="0" eaLnBrk="1" fontAlgn="auto" latinLnBrk="0" hangingPunct="1">
+              <a:lnSpc>
+                <a:spcPct val="100000"/>
+              </a:lnSpc>
+              <a:spcBef>
+                <a:spcPct val="20000"/>
+              </a:spcBef>
+              <a:spcAft>
+                <a:spcPts val="0"/>
+              </a:spcAft>
+              <a:buClrTx/>
+              <a:buSzTx/>
+              <a:tabLst/>
+              <a:defRPr/>
+            </a:pPr>
+            <a:r>
+              <a:rPr kumimoji="0" lang="en-US" sz="1600" b="0" i="0" u="none" strike="noStrike" kern="1200" cap="none" spc="0" normalizeH="0" baseline="0" noProof="0" dirty="0" smtClean="0">
+                <a:ln>
+                  <a:noFill/>
+                </a:ln>
+                <a:solidFill>
+                  <a:schemeClr val="tx1"/>
+                </a:solidFill>
+                <a:effectLst/>
+                <a:uLnTx/>
+                <a:uFillTx/>
+                <a:latin typeface="Cambria" pitchFamily="18" charset="0"/>
+                <a:ea typeface="+mn-ea"/>
+                <a:cs typeface="+mn-cs"/>
+              </a:rPr>
+              <a:t>email: </a:t>
+            </a:r>
+            <a:r>
+              <a:rPr kumimoji="0" lang="en-US" sz="1600" b="0" i="0" u="none" strike="noStrike" kern="1200" cap="none" spc="0" normalizeH="0" baseline="0" noProof="0" dirty="0" smtClean="0">
+                <a:ln>
+                  <a:noFill/>
+                </a:ln>
+                <a:solidFill>
+                  <a:schemeClr val="tx1"/>
+                </a:solidFill>
+                <a:effectLst/>
+                <a:uLnTx/>
+                <a:uFillTx/>
+                <a:latin typeface="Cambria" pitchFamily="18" charset="0"/>
+                <a:ea typeface="+mn-ea"/>
+                <a:cs typeface="+mn-cs"/>
+                <a:hlinkClick r:id="rId2"/>
+              </a:rPr>
+              <a:t>proffraja@gmail.com</a:t>
+            </a:r>
+            <a:endParaRPr lang="en-US" sz="1600" dirty="0" smtClean="0">
+              <a:latin typeface="Cambria" pitchFamily="18" charset="0"/>
+            </a:endParaRPr>
+          </a:p>
+          <a:p>
+            <a:pPr marL="342900" marR="0" lvl="0" indent="-342900" algn="r" defTabSz="914400" rtl="0" eaLnBrk="1" fontAlgn="auto" latinLnBrk="0" hangingPunct="1">
+              <a:lnSpc>
+                <a:spcPct val="100000"/>
+              </a:lnSpc>
+              <a:spcBef>
+                <a:spcPct val="20000"/>
+              </a:spcBef>
+              <a:spcAft>
+                <a:spcPts val="0"/>
+              </a:spcAft>
+              <a:buClrTx/>
+              <a:buSzTx/>
+              <a:tabLst/>
+              <a:defRPr/>
+            </a:pPr>
+            <a:r>
+              <a:rPr lang="en-US" sz="1600" dirty="0" err="1" smtClean="0">
+                <a:latin typeface="Cambria" pitchFamily="18" charset="0"/>
+              </a:rPr>
+              <a:t>Github:</a:t>
+            </a:r>
+            <a:r>
+              <a:rPr lang="en-US" sz="1600" dirty="0" err="1" smtClean="0">
+                <a:latin typeface="Cambria" pitchFamily="18" charset="0"/>
+                <a:hlinkClick r:id="rId3"/>
+              </a:rPr>
+              <a:t>www.github.com</a:t>
+            </a:r>
+            <a:r>
+              <a:rPr lang="en-US" sz="1600" dirty="0" smtClean="0">
+                <a:latin typeface="Cambria" pitchFamily="18" charset="0"/>
+                <a:hlinkClick r:id="rId3"/>
+              </a:rPr>
+              <a:t>/</a:t>
+            </a:r>
+            <a:r>
+              <a:rPr lang="en-US" sz="1600" dirty="0" err="1" smtClean="0">
+                <a:latin typeface="Cambria" pitchFamily="18" charset="0"/>
+                <a:hlinkClick r:id="rId3"/>
+              </a:rPr>
+              <a:t>rajasekaranap</a:t>
+            </a:r>
+            <a:endParaRPr lang="en-US" sz="1600" dirty="0" smtClean="0">
+              <a:latin typeface="Cambria" pitchFamily="18" charset="0"/>
+            </a:endParaRPr>
+          </a:p>
+          <a:p>
+            <a:pPr marL="342900" marR="0" lvl="0" indent="-342900" algn="r" defTabSz="914400" rtl="0" eaLnBrk="1" fontAlgn="auto" latinLnBrk="0" hangingPunct="1">
+              <a:lnSpc>
+                <a:spcPct val="100000"/>
+              </a:lnSpc>
+              <a:spcBef>
+                <a:spcPct val="20000"/>
+              </a:spcBef>
+              <a:spcAft>
+                <a:spcPts val="0"/>
+              </a:spcAft>
+              <a:buClrTx/>
+              <a:buSzTx/>
+              <a:tabLst/>
+              <a:defRPr/>
+            </a:pPr>
+            <a:endParaRPr lang="en-US" sz="1600" dirty="0" smtClean="0">
+              <a:latin typeface="Cambria" pitchFamily="18" charset="0"/>
+            </a:endParaRPr>
+          </a:p>
+        </p:txBody>
+      </p:sp>
+    </p:spTree>
+  </p:cSld>
+  <p:clrMapOvr>
+    <a:masterClrMapping/>
+  </p:clrMapOvr>
+  <p:timing>
+    <p:tnLst>
+      <p:par>
+        <p:cTn id="1" dur="indefinite" restart="never" nodeType="tmRoot"/>
+      </p:par>
+    </p:tnLst>
+  </p:timing>
 </p:sld>
 </file>
 
